--- a/src/dell_smi_latency_problems v2.pptx
+++ b/src/dell_smi_latency_problems v2.pptx
@@ -7,6 +7,9 @@
   <p:sldIdLst>
     <p:sldId id="259" r:id="rId2"/>
     <p:sldId id="261" r:id="rId3"/>
+    <p:sldId id="264" r:id="rId4"/>
+    <p:sldId id="262" r:id="rId5"/>
+    <p:sldId id="263" r:id="rId6"/>
   </p:sldIdLst>
   <p:sldSz cx="9144000" cy="6858000" type="screen4x3"/>
   <p:notesSz cx="6858000" cy="9144000"/>
@@ -4265,21 +4268,8 @@
                       <a:srgbClr val="C00000"/>
                     </a:solidFill>
                   </a:rPr>
-                  <a:t>Bios </a:t>
+                  <a:t>Bios 0.18.0</a:t>
                 </a:r>
-                <a:r>
-                  <a:rPr lang="en-US" sz="1050" dirty="0" smtClean="0">
-                    <a:solidFill>
-                      <a:srgbClr val="C00000"/>
-                    </a:solidFill>
-                  </a:rPr>
-                  <a:t>0.18.0</a:t>
-                </a:r>
-                <a:endParaRPr lang="en-US" sz="1050" dirty="0" smtClean="0">
-                  <a:solidFill>
-                    <a:srgbClr val="C00000"/>
-                  </a:solidFill>
-                </a:endParaRPr>
               </a:p>
             </p:txBody>
           </p:sp>
@@ -5054,6 +5044,542 @@
 </p:sld>
 </file>
 
+<file path=ppt/slides/slide3.xml><?xml version="1.0" encoding="utf-8"?>
+<p:sld xmlns:a="http://schemas.openxmlformats.org/drawingml/2006/main" xmlns:r="http://schemas.openxmlformats.org/officeDocument/2006/relationships" xmlns:p="http://schemas.openxmlformats.org/presentationml/2006/main">
+  <p:cSld>
+    <p:spTree>
+      <p:nvGrpSpPr>
+        <p:cNvPr id="1" name=""/>
+        <p:cNvGrpSpPr/>
+        <p:nvPr/>
+      </p:nvGrpSpPr>
+      <p:grpSpPr>
+        <a:xfrm>
+          <a:off x="0" y="0"/>
+          <a:ext cx="0" cy="0"/>
+          <a:chOff x="0" y="0"/>
+          <a:chExt cx="0" cy="0"/>
+        </a:xfrm>
+      </p:grpSpPr>
+      <p:pic>
+        <p:nvPicPr>
+          <p:cNvPr id="3074" name="Picture 2"/>
+          <p:cNvPicPr>
+            <a:picLocks noChangeAspect="1" noChangeArrowheads="1"/>
+          </p:cNvPicPr>
+          <p:nvPr/>
+        </p:nvPicPr>
+        <p:blipFill>
+          <a:blip r:embed="rId2">
+            <a:extLst>
+              <a:ext uri="{28A0092B-C50C-407E-A947-70E740481C1C}">
+                <a14:useLocalDpi xmlns:a14="http://schemas.microsoft.com/office/drawing/2010/main" val="0"/>
+              </a:ext>
+            </a:extLst>
+          </a:blip>
+          <a:srcRect/>
+          <a:stretch>
+            <a:fillRect/>
+          </a:stretch>
+        </p:blipFill>
+        <p:spPr bwMode="auto">
+          <a:xfrm>
+            <a:off x="1979712" y="1052736"/>
+            <a:ext cx="6033120" cy="3619872"/>
+          </a:xfrm>
+          <a:prstGeom prst="rect">
+            <a:avLst/>
+          </a:prstGeom>
+          <a:noFill/>
+          <a:ln>
+            <a:noFill/>
+          </a:ln>
+          <a:extLst>
+            <a:ext uri="{909E8E84-426E-40DD-AFC4-6F175D3DCCD1}">
+              <a14:hiddenFill xmlns:a14="http://schemas.microsoft.com/office/drawing/2010/main">
+                <a:solidFill>
+                  <a:schemeClr val="accent1"/>
+                </a:solidFill>
+              </a14:hiddenFill>
+            </a:ext>
+            <a:ext uri="{91240B29-F687-4F45-9708-019B960494DF}">
+              <a14:hiddenLine xmlns:a14="http://schemas.microsoft.com/office/drawing/2010/main" w="9525">
+                <a:solidFill>
+                  <a:schemeClr val="tx1"/>
+                </a:solidFill>
+                <a:miter lim="800000"/>
+                <a:headEnd/>
+                <a:tailEnd/>
+              </a14:hiddenLine>
+            </a:ext>
+          </a:extLst>
+        </p:spPr>
+      </p:pic>
+      <p:sp>
+        <p:nvSpPr>
+          <p:cNvPr id="5" name="TextBox 4"/>
+          <p:cNvSpPr txBox="1"/>
+          <p:nvPr/>
+        </p:nvSpPr>
+        <p:spPr>
+          <a:xfrm>
+            <a:off x="411881" y="2780928"/>
+            <a:ext cx="1377173" cy="369332"/>
+          </a:xfrm>
+          <a:prstGeom prst="rect">
+            <a:avLst/>
+          </a:prstGeom>
+          <a:noFill/>
+        </p:spPr>
+        <p:txBody>
+          <a:bodyPr wrap="none" rtlCol="0">
+            <a:spAutoFit/>
+          </a:bodyPr>
+          <a:lstStyle/>
+          <a:p>
+            <a:pPr algn="ctr"/>
+            <a:r>
+              <a:rPr lang="en-US" b="1" dirty="0" smtClean="0"/>
+              <a:t>Dell</a:t>
+            </a:r>
+            <a:r>
+              <a:rPr lang="en-US" b="1" dirty="0" smtClean="0"/>
+              <a:t> updates</a:t>
+            </a:r>
+            <a:endParaRPr lang="en-US" b="1" dirty="0"/>
+          </a:p>
+        </p:txBody>
+      </p:sp>
+      <p:sp>
+        <p:nvSpPr>
+          <p:cNvPr id="6" name="Left Arrow 5"/>
+          <p:cNvSpPr/>
+          <p:nvPr/>
+        </p:nvSpPr>
+        <p:spPr>
+          <a:xfrm>
+            <a:off x="3563888" y="3284984"/>
+            <a:ext cx="415812" cy="262114"/>
+          </a:xfrm>
+          <a:prstGeom prst="leftArrow">
+            <a:avLst/>
+          </a:prstGeom>
+          <a:solidFill>
+            <a:schemeClr val="bg1"/>
+          </a:solidFill>
+          <a:ln>
+            <a:solidFill>
+              <a:srgbClr val="C00000"/>
+            </a:solidFill>
+          </a:ln>
+        </p:spPr>
+        <p:style>
+          <a:lnRef idx="2">
+            <a:schemeClr val="accent1">
+              <a:shade val="50000"/>
+            </a:schemeClr>
+          </a:lnRef>
+          <a:fillRef idx="1">
+            <a:schemeClr val="accent1"/>
+          </a:fillRef>
+          <a:effectRef idx="0">
+            <a:schemeClr val="accent1"/>
+          </a:effectRef>
+          <a:fontRef idx="minor">
+            <a:schemeClr val="lt1"/>
+          </a:fontRef>
+        </p:style>
+        <p:txBody>
+          <a:bodyPr rtlCol="0" anchor="ctr"/>
+          <a:lstStyle/>
+          <a:p>
+            <a:pPr algn="ctr"/>
+            <a:endParaRPr lang="en-US" sz="1200"/>
+          </a:p>
+        </p:txBody>
+      </p:sp>
+    </p:spTree>
+    <p:extLst>
+      <p:ext uri="{BB962C8B-B14F-4D97-AF65-F5344CB8AC3E}">
+        <p14:creationId xmlns:p14="http://schemas.microsoft.com/office/powerpoint/2010/main" val="1116647816"/>
+      </p:ext>
+    </p:extLst>
+  </p:cSld>
+  <p:clrMapOvr>
+    <a:masterClrMapping/>
+  </p:clrMapOvr>
+</p:sld>
+</file>
+
+<file path=ppt/slides/slide4.xml><?xml version="1.0" encoding="utf-8"?>
+<p:sld xmlns:a="http://schemas.openxmlformats.org/drawingml/2006/main" xmlns:r="http://schemas.openxmlformats.org/officeDocument/2006/relationships" xmlns:p="http://schemas.openxmlformats.org/presentationml/2006/main">
+  <p:cSld>
+    <p:spTree>
+      <p:nvGrpSpPr>
+        <p:cNvPr id="1" name=""/>
+        <p:cNvGrpSpPr/>
+        <p:nvPr/>
+      </p:nvGrpSpPr>
+      <p:grpSpPr>
+        <a:xfrm>
+          <a:off x="0" y="0"/>
+          <a:ext cx="0" cy="0"/>
+          <a:chOff x="0" y="0"/>
+          <a:chExt cx="0" cy="0"/>
+        </a:xfrm>
+      </p:grpSpPr>
+      <p:pic>
+        <p:nvPicPr>
+          <p:cNvPr id="1026" name="Picture 2"/>
+          <p:cNvPicPr>
+            <a:picLocks noChangeAspect="1" noChangeArrowheads="1"/>
+          </p:cNvPicPr>
+          <p:nvPr/>
+        </p:nvPicPr>
+        <p:blipFill>
+          <a:blip r:embed="rId2">
+            <a:extLst>
+              <a:ext uri="{28A0092B-C50C-407E-A947-70E740481C1C}">
+                <a14:useLocalDpi xmlns:a14="http://schemas.microsoft.com/office/drawing/2010/main" val="0"/>
+              </a:ext>
+            </a:extLst>
+          </a:blip>
+          <a:srcRect/>
+          <a:stretch>
+            <a:fillRect/>
+          </a:stretch>
+        </p:blipFill>
+        <p:spPr bwMode="auto">
+          <a:xfrm>
+            <a:off x="2051720" y="376266"/>
+            <a:ext cx="6329164" cy="5978841"/>
+          </a:xfrm>
+          <a:prstGeom prst="rect">
+            <a:avLst/>
+          </a:prstGeom>
+          <a:noFill/>
+          <a:ln>
+            <a:noFill/>
+          </a:ln>
+          <a:extLst>
+            <a:ext uri="{909E8E84-426E-40DD-AFC4-6F175D3DCCD1}">
+              <a14:hiddenFill xmlns:a14="http://schemas.microsoft.com/office/drawing/2010/main">
+                <a:solidFill>
+                  <a:schemeClr val="accent1"/>
+                </a:solidFill>
+              </a14:hiddenFill>
+            </a:ext>
+            <a:ext uri="{91240B29-F687-4F45-9708-019B960494DF}">
+              <a14:hiddenLine xmlns:a14="http://schemas.microsoft.com/office/drawing/2010/main" w="9525">
+                <a:solidFill>
+                  <a:schemeClr val="tx1"/>
+                </a:solidFill>
+                <a:miter lim="800000"/>
+                <a:headEnd/>
+                <a:tailEnd/>
+              </a14:hiddenLine>
+            </a:ext>
+          </a:extLst>
+        </p:spPr>
+      </p:pic>
+      <p:sp>
+        <p:nvSpPr>
+          <p:cNvPr id="5" name="TextBox 4"/>
+          <p:cNvSpPr txBox="1"/>
+          <p:nvPr/>
+        </p:nvSpPr>
+        <p:spPr>
+          <a:xfrm>
+            <a:off x="293223" y="2780928"/>
+            <a:ext cx="1614481" cy="369332"/>
+          </a:xfrm>
+          <a:prstGeom prst="rect">
+            <a:avLst/>
+          </a:prstGeom>
+          <a:noFill/>
+        </p:spPr>
+        <p:txBody>
+          <a:bodyPr wrap="none" rtlCol="0">
+            <a:spAutoFit/>
+          </a:bodyPr>
+          <a:lstStyle/>
+          <a:p>
+            <a:pPr algn="ctr"/>
+            <a:r>
+              <a:rPr lang="en-US" b="1" dirty="0" smtClean="0"/>
+              <a:t>MSINFO32.EXE</a:t>
+            </a:r>
+            <a:endParaRPr lang="en-US" b="1" dirty="0"/>
+          </a:p>
+        </p:txBody>
+      </p:sp>
+      <p:sp>
+        <p:nvSpPr>
+          <p:cNvPr id="6" name="Left Arrow 5"/>
+          <p:cNvSpPr/>
+          <p:nvPr/>
+        </p:nvSpPr>
+        <p:spPr>
+          <a:xfrm>
+            <a:off x="6372200" y="908720"/>
+            <a:ext cx="415812" cy="262114"/>
+          </a:xfrm>
+          <a:prstGeom prst="leftArrow">
+            <a:avLst/>
+          </a:prstGeom>
+          <a:solidFill>
+            <a:schemeClr val="bg1"/>
+          </a:solidFill>
+          <a:ln>
+            <a:solidFill>
+              <a:srgbClr val="C00000"/>
+            </a:solidFill>
+          </a:ln>
+        </p:spPr>
+        <p:style>
+          <a:lnRef idx="2">
+            <a:schemeClr val="accent1">
+              <a:shade val="50000"/>
+            </a:schemeClr>
+          </a:lnRef>
+          <a:fillRef idx="1">
+            <a:schemeClr val="accent1"/>
+          </a:fillRef>
+          <a:effectRef idx="0">
+            <a:schemeClr val="accent1"/>
+          </a:effectRef>
+          <a:fontRef idx="minor">
+            <a:schemeClr val="lt1"/>
+          </a:fontRef>
+        </p:style>
+        <p:txBody>
+          <a:bodyPr rtlCol="0" anchor="ctr"/>
+          <a:lstStyle/>
+          <a:p>
+            <a:pPr algn="ctr"/>
+            <a:endParaRPr lang="en-US" sz="1200"/>
+          </a:p>
+        </p:txBody>
+      </p:sp>
+      <p:sp>
+        <p:nvSpPr>
+          <p:cNvPr id="7" name="Left Arrow 6"/>
+          <p:cNvSpPr/>
+          <p:nvPr/>
+        </p:nvSpPr>
+        <p:spPr>
+          <a:xfrm>
+            <a:off x="6444208" y="1994187"/>
+            <a:ext cx="415812" cy="262114"/>
+          </a:xfrm>
+          <a:prstGeom prst="leftArrow">
+            <a:avLst/>
+          </a:prstGeom>
+          <a:solidFill>
+            <a:schemeClr val="bg1"/>
+          </a:solidFill>
+          <a:ln>
+            <a:solidFill>
+              <a:srgbClr val="C00000"/>
+            </a:solidFill>
+          </a:ln>
+        </p:spPr>
+        <p:style>
+          <a:lnRef idx="2">
+            <a:schemeClr val="accent1">
+              <a:shade val="50000"/>
+            </a:schemeClr>
+          </a:lnRef>
+          <a:fillRef idx="1">
+            <a:schemeClr val="accent1"/>
+          </a:fillRef>
+          <a:effectRef idx="0">
+            <a:schemeClr val="accent1"/>
+          </a:effectRef>
+          <a:fontRef idx="minor">
+            <a:schemeClr val="lt1"/>
+          </a:fontRef>
+        </p:style>
+        <p:txBody>
+          <a:bodyPr rtlCol="0" anchor="ctr"/>
+          <a:lstStyle/>
+          <a:p>
+            <a:pPr algn="ctr"/>
+            <a:endParaRPr lang="en-US" sz="1200"/>
+          </a:p>
+        </p:txBody>
+      </p:sp>
+    </p:spTree>
+    <p:extLst>
+      <p:ext uri="{BB962C8B-B14F-4D97-AF65-F5344CB8AC3E}">
+        <p14:creationId xmlns:p14="http://schemas.microsoft.com/office/powerpoint/2010/main" val="524256089"/>
+      </p:ext>
+    </p:extLst>
+  </p:cSld>
+  <p:clrMapOvr>
+    <a:masterClrMapping/>
+  </p:clrMapOvr>
+</p:sld>
+</file>
+
+<file path=ppt/slides/slide5.xml><?xml version="1.0" encoding="utf-8"?>
+<p:sld xmlns:a="http://schemas.openxmlformats.org/drawingml/2006/main" xmlns:r="http://schemas.openxmlformats.org/officeDocument/2006/relationships" xmlns:p="http://schemas.openxmlformats.org/presentationml/2006/main">
+  <p:cSld>
+    <p:spTree>
+      <p:nvGrpSpPr>
+        <p:cNvPr id="1" name=""/>
+        <p:cNvGrpSpPr/>
+        <p:nvPr/>
+      </p:nvGrpSpPr>
+      <p:grpSpPr>
+        <a:xfrm>
+          <a:off x="0" y="0"/>
+          <a:ext cx="0" cy="0"/>
+          <a:chOff x="0" y="0"/>
+          <a:chExt cx="0" cy="0"/>
+        </a:xfrm>
+      </p:grpSpPr>
+      <p:pic>
+        <p:nvPicPr>
+          <p:cNvPr id="2050" name="Picture 2"/>
+          <p:cNvPicPr>
+            <a:picLocks noChangeAspect="1" noChangeArrowheads="1"/>
+          </p:cNvPicPr>
+          <p:nvPr/>
+        </p:nvPicPr>
+        <p:blipFill>
+          <a:blip r:embed="rId2">
+            <a:extLst>
+              <a:ext uri="{28A0092B-C50C-407E-A947-70E740481C1C}">
+                <a14:useLocalDpi xmlns:a14="http://schemas.microsoft.com/office/drawing/2010/main" val="0"/>
+              </a:ext>
+            </a:extLst>
+          </a:blip>
+          <a:srcRect/>
+          <a:stretch>
+            <a:fillRect/>
+          </a:stretch>
+        </p:blipFill>
+        <p:spPr bwMode="auto">
+          <a:xfrm>
+            <a:off x="2056500" y="317890"/>
+            <a:ext cx="5241210" cy="6135445"/>
+          </a:xfrm>
+          <a:prstGeom prst="rect">
+            <a:avLst/>
+          </a:prstGeom>
+          <a:noFill/>
+          <a:ln w="9525">
+            <a:solidFill>
+              <a:schemeClr val="tx1"/>
+            </a:solidFill>
+            <a:miter lim="800000"/>
+            <a:headEnd/>
+            <a:tailEnd/>
+          </a:ln>
+          <a:extLst>
+            <a:ext uri="{909E8E84-426E-40DD-AFC4-6F175D3DCCD1}">
+              <a14:hiddenFill xmlns:a14="http://schemas.microsoft.com/office/drawing/2010/main">
+                <a:solidFill>
+                  <a:schemeClr val="accent1"/>
+                </a:solidFill>
+              </a14:hiddenFill>
+            </a:ext>
+          </a:extLst>
+        </p:spPr>
+      </p:pic>
+      <p:sp>
+        <p:nvSpPr>
+          <p:cNvPr id="5" name="TextBox 4"/>
+          <p:cNvSpPr txBox="1"/>
+          <p:nvPr/>
+        </p:nvSpPr>
+        <p:spPr>
+          <a:xfrm>
+            <a:off x="149950" y="2780928"/>
+            <a:ext cx="1901033" cy="369332"/>
+          </a:xfrm>
+          <a:prstGeom prst="rect">
+            <a:avLst/>
+          </a:prstGeom>
+          <a:noFill/>
+        </p:spPr>
+        <p:txBody>
+          <a:bodyPr wrap="none" rtlCol="0">
+            <a:spAutoFit/>
+          </a:bodyPr>
+          <a:lstStyle/>
+          <a:p>
+            <a:pPr algn="ctr"/>
+            <a:r>
+              <a:rPr lang="en-US" b="1" dirty="0" smtClean="0"/>
+              <a:t>Windows updates</a:t>
+            </a:r>
+            <a:endParaRPr lang="en-US" b="1" dirty="0"/>
+          </a:p>
+        </p:txBody>
+      </p:sp>
+      <p:sp>
+        <p:nvSpPr>
+          <p:cNvPr id="6" name="Left Arrow 5"/>
+          <p:cNvSpPr/>
+          <p:nvPr/>
+        </p:nvSpPr>
+        <p:spPr>
+          <a:xfrm>
+            <a:off x="4469199" y="1623616"/>
+            <a:ext cx="415812" cy="262114"/>
+          </a:xfrm>
+          <a:prstGeom prst="leftArrow">
+            <a:avLst/>
+          </a:prstGeom>
+          <a:solidFill>
+            <a:schemeClr val="bg1"/>
+          </a:solidFill>
+          <a:ln>
+            <a:solidFill>
+              <a:srgbClr val="C00000"/>
+            </a:solidFill>
+          </a:ln>
+        </p:spPr>
+        <p:style>
+          <a:lnRef idx="2">
+            <a:schemeClr val="accent1">
+              <a:shade val="50000"/>
+            </a:schemeClr>
+          </a:lnRef>
+          <a:fillRef idx="1">
+            <a:schemeClr val="accent1"/>
+          </a:fillRef>
+          <a:effectRef idx="0">
+            <a:schemeClr val="accent1"/>
+          </a:effectRef>
+          <a:fontRef idx="minor">
+            <a:schemeClr val="lt1"/>
+          </a:fontRef>
+        </p:style>
+        <p:txBody>
+          <a:bodyPr rtlCol="0" anchor="ctr"/>
+          <a:lstStyle/>
+          <a:p>
+            <a:pPr algn="ctr"/>
+            <a:endParaRPr lang="en-US" sz="1200"/>
+          </a:p>
+        </p:txBody>
+      </p:sp>
+    </p:spTree>
+    <p:extLst>
+      <p:ext uri="{BB962C8B-B14F-4D97-AF65-F5344CB8AC3E}">
+        <p14:creationId xmlns:p14="http://schemas.microsoft.com/office/powerpoint/2010/main" val="524335076"/>
+      </p:ext>
+    </p:extLst>
+  </p:cSld>
+  <p:clrMapOvr>
+    <a:masterClrMapping/>
+  </p:clrMapOvr>
+</p:sld>
+</file>
+
 <file path=ppt/theme/theme1.xml><?xml version="1.0" encoding="utf-8"?>
 <a:theme xmlns:a="http://schemas.openxmlformats.org/drawingml/2006/main" name="Tema do Office">
   <a:themeElements>

--- a/src/dell_smi_latency_problems v2.pptx
+++ b/src/dell_smi_latency_problems v2.pptx
@@ -292,7 +292,7 @@
           <a:p>
             <a:fld id="{1C270875-E729-438F-AD64-DA10B3256A5A}" type="datetimeFigureOut">
               <a:rPr lang="pt-PT" smtClean="0"/>
-              <a:t>23/02/2020</a:t>
+              <a:t>24/02/2020</a:t>
             </a:fld>
             <a:endParaRPr lang="pt-PT"/>
           </a:p>
@@ -457,7 +457,7 @@
           <a:p>
             <a:fld id="{1C270875-E729-438F-AD64-DA10B3256A5A}" type="datetimeFigureOut">
               <a:rPr lang="pt-PT" smtClean="0"/>
-              <a:t>23/02/2020</a:t>
+              <a:t>24/02/2020</a:t>
             </a:fld>
             <a:endParaRPr lang="pt-PT"/>
           </a:p>
@@ -632,7 +632,7 @@
           <a:p>
             <a:fld id="{1C270875-E729-438F-AD64-DA10B3256A5A}" type="datetimeFigureOut">
               <a:rPr lang="pt-PT" smtClean="0"/>
-              <a:t>23/02/2020</a:t>
+              <a:t>24/02/2020</a:t>
             </a:fld>
             <a:endParaRPr lang="pt-PT"/>
           </a:p>
@@ -797,7 +797,7 @@
           <a:p>
             <a:fld id="{1C270875-E729-438F-AD64-DA10B3256A5A}" type="datetimeFigureOut">
               <a:rPr lang="pt-PT" smtClean="0"/>
-              <a:t>23/02/2020</a:t>
+              <a:t>24/02/2020</a:t>
             </a:fld>
             <a:endParaRPr lang="pt-PT"/>
           </a:p>
@@ -1038,7 +1038,7 @@
           <a:p>
             <a:fld id="{1C270875-E729-438F-AD64-DA10B3256A5A}" type="datetimeFigureOut">
               <a:rPr lang="pt-PT" smtClean="0"/>
-              <a:t>23/02/2020</a:t>
+              <a:t>24/02/2020</a:t>
             </a:fld>
             <a:endParaRPr lang="pt-PT"/>
           </a:p>
@@ -1321,7 +1321,7 @@
           <a:p>
             <a:fld id="{1C270875-E729-438F-AD64-DA10B3256A5A}" type="datetimeFigureOut">
               <a:rPr lang="pt-PT" smtClean="0"/>
-              <a:t>23/02/2020</a:t>
+              <a:t>24/02/2020</a:t>
             </a:fld>
             <a:endParaRPr lang="pt-PT"/>
           </a:p>
@@ -1738,7 +1738,7 @@
           <a:p>
             <a:fld id="{1C270875-E729-438F-AD64-DA10B3256A5A}" type="datetimeFigureOut">
               <a:rPr lang="pt-PT" smtClean="0"/>
-              <a:t>23/02/2020</a:t>
+              <a:t>24/02/2020</a:t>
             </a:fld>
             <a:endParaRPr lang="pt-PT"/>
           </a:p>
@@ -1851,7 +1851,7 @@
           <a:p>
             <a:fld id="{1C270875-E729-438F-AD64-DA10B3256A5A}" type="datetimeFigureOut">
               <a:rPr lang="pt-PT" smtClean="0"/>
-              <a:t>23/02/2020</a:t>
+              <a:t>24/02/2020</a:t>
             </a:fld>
             <a:endParaRPr lang="pt-PT"/>
           </a:p>
@@ -1941,7 +1941,7 @@
           <a:p>
             <a:fld id="{1C270875-E729-438F-AD64-DA10B3256A5A}" type="datetimeFigureOut">
               <a:rPr lang="pt-PT" smtClean="0"/>
-              <a:t>23/02/2020</a:t>
+              <a:t>24/02/2020</a:t>
             </a:fld>
             <a:endParaRPr lang="pt-PT"/>
           </a:p>
@@ -2213,7 +2213,7 @@
           <a:p>
             <a:fld id="{1C270875-E729-438F-AD64-DA10B3256A5A}" type="datetimeFigureOut">
               <a:rPr lang="pt-PT" smtClean="0"/>
-              <a:t>23/02/2020</a:t>
+              <a:t>24/02/2020</a:t>
             </a:fld>
             <a:endParaRPr lang="pt-PT"/>
           </a:p>
@@ -2461,7 +2461,7 @@
           <a:p>
             <a:fld id="{1C270875-E729-438F-AD64-DA10B3256A5A}" type="datetimeFigureOut">
               <a:rPr lang="pt-PT" smtClean="0"/>
-              <a:t>23/02/2020</a:t>
+              <a:t>24/02/2020</a:t>
             </a:fld>
             <a:endParaRPr lang="pt-PT"/>
           </a:p>
@@ -2669,7 +2669,7 @@
           <a:p>
             <a:fld id="{1C270875-E729-438F-AD64-DA10B3256A5A}" type="datetimeFigureOut">
               <a:rPr lang="pt-PT" smtClean="0"/>
-              <a:t>23/02/2020</a:t>
+              <a:t>24/02/2020</a:t>
             </a:fld>
             <a:endParaRPr lang="pt-PT"/>
           </a:p>
@@ -3048,14 +3048,14 @@
           <p:nvPr>
             <p:extLst>
               <p:ext uri="{D42A27DB-BD31-4B8C-83A1-F6EECF244321}">
-                <p14:modId xmlns:p14="http://schemas.microsoft.com/office/powerpoint/2010/main" val="2569855407"/>
+                <p14:modId xmlns:p14="http://schemas.microsoft.com/office/powerpoint/2010/main" val="3525152387"/>
               </p:ext>
             </p:extLst>
           </p:nvPr>
         </p:nvGraphicFramePr>
         <p:xfrm>
-          <a:off x="2267744" y="188640"/>
-          <a:ext cx="3704004" cy="1950720"/>
+          <a:off x="2267742" y="188640"/>
+          <a:ext cx="4320482" cy="1950720"/>
         </p:xfrm>
         <a:graphic>
           <a:graphicData uri="http://schemas.openxmlformats.org/drawingml/2006/table">
@@ -3064,9 +3064,10 @@
                 <a:tableStyleId>{5C22544A-7EE6-4342-B048-85BDC9FD1C3A}</a:tableStyleId>
               </a:tblPr>
               <a:tblGrid>
-                <a:gridCol w="507397"/>
-                <a:gridCol w="2332510"/>
-                <a:gridCol w="864097"/>
+                <a:gridCol w="429527"/>
+                <a:gridCol w="1920958"/>
+                <a:gridCol w="1177909"/>
+                <a:gridCol w="792088"/>
               </a:tblGrid>
               <a:tr h="0">
                 <a:tc>
@@ -3095,6 +3096,24 @@
                       <a:r>
                         <a:rPr lang="en-US" sz="1000" dirty="0" smtClean="0"/>
                         <a:t>Name</a:t>
+                      </a:r>
+                      <a:endParaRPr lang="en-US" sz="1000" dirty="0"/>
+                    </a:p>
+                  </a:txBody>
+                  <a:tcPr>
+                    <a:solidFill>
+                      <a:schemeClr val="accent1"/>
+                    </a:solidFill>
+                  </a:tcPr>
+                </a:tc>
+                <a:tc>
+                  <a:txBody>
+                    <a:bodyPr/>
+                    <a:lstStyle/>
+                    <a:p>
+                      <a:r>
+                        <a:rPr lang="en-US" sz="1000" dirty="0" smtClean="0"/>
+                        <a:t>Example</a:t>
                       </a:r>
                       <a:endParaRPr lang="en-US" sz="1000" dirty="0"/>
                     </a:p>
@@ -3153,6 +3172,25 @@
                         <a:rPr lang="en-US" sz="1000" dirty="0" smtClean="0"/>
                         <a:t>Applications</a:t>
                       </a:r>
+                    </a:p>
+                  </a:txBody>
+                  <a:tcPr>
+                    <a:solidFill>
+                      <a:srgbClr val="2EDE3F"/>
+                    </a:solidFill>
+                  </a:tcPr>
+                </a:tc>
+                <a:tc>
+                  <a:txBody>
+                    <a:bodyPr/>
+                    <a:lstStyle/>
+                    <a:p>
+                      <a:pPr algn="ctr"/>
+                      <a:r>
+                        <a:rPr lang="en-US" sz="1000" dirty="0" err="1" smtClean="0"/>
+                        <a:t>Traktor</a:t>
+                      </a:r>
+                      <a:endParaRPr lang="en-US" sz="1000" dirty="0" smtClean="0"/>
                     </a:p>
                   </a:txBody>
                   <a:tcPr>
@@ -3233,6 +3271,21 @@
                     </a:solidFill>
                   </a:tcPr>
                 </a:tc>
+                <a:tc>
+                  <a:txBody>
+                    <a:bodyPr/>
+                    <a:lstStyle/>
+                    <a:p>
+                      <a:pPr algn="ctr"/>
+                      <a:endParaRPr lang="en-US" sz="1000" dirty="0"/>
+                    </a:p>
+                  </a:txBody>
+                  <a:tcPr>
+                    <a:solidFill>
+                      <a:srgbClr val="6BFF21"/>
+                    </a:solidFill>
+                  </a:tcPr>
+                </a:tc>
               </a:tr>
               <a:tr h="0">
                 <a:tc>
@@ -3262,6 +3315,25 @@
                       <a:r>
                         <a:rPr lang="en-US" sz="1000" dirty="0" smtClean="0"/>
                         <a:t>Device Drivers</a:t>
+                      </a:r>
+                      <a:endParaRPr lang="en-US" sz="1000" dirty="0"/>
+                    </a:p>
+                  </a:txBody>
+                  <a:tcPr>
+                    <a:solidFill>
+                      <a:srgbClr val="98E37D"/>
+                    </a:solidFill>
+                  </a:tcPr>
+                </a:tc>
+                <a:tc>
+                  <a:txBody>
+                    <a:bodyPr/>
+                    <a:lstStyle/>
+                    <a:p>
+                      <a:pPr algn="ctr"/>
+                      <a:r>
+                        <a:rPr lang="en-US" sz="1000" dirty="0" smtClean="0"/>
+                        <a:t>Pioneer Driver</a:t>
                       </a:r>
                       <a:endParaRPr lang="en-US" sz="1000" dirty="0"/>
                     </a:p>
@@ -3332,6 +3404,29 @@
                     <a:lstStyle/>
                     <a:p>
                       <a:pPr algn="ctr"/>
+                      <a:r>
+                        <a:rPr lang="en-US" sz="1000" dirty="0" smtClean="0"/>
+                        <a:t>Windows</a:t>
+                      </a:r>
+                      <a:r>
+                        <a:rPr lang="en-US" sz="1000" baseline="0" dirty="0" smtClean="0"/>
+                        <a:t> Kernel</a:t>
+                      </a:r>
+                      <a:endParaRPr lang="en-US" sz="1000" dirty="0"/>
+                    </a:p>
+                  </a:txBody>
+                  <a:tcPr>
+                    <a:solidFill>
+                      <a:srgbClr val="DCBDBC"/>
+                    </a:solidFill>
+                  </a:tcPr>
+                </a:tc>
+                <a:tc>
+                  <a:txBody>
+                    <a:bodyPr/>
+                    <a:lstStyle/>
+                    <a:p>
+                      <a:pPr algn="ctr"/>
                       <a:endParaRPr lang="en-US" sz="1000" dirty="0"/>
                     </a:p>
                   </a:txBody>
@@ -3369,7 +3464,30 @@
                     <a:p>
                       <a:r>
                         <a:rPr lang="en-US" sz="1000" dirty="0" smtClean="0"/>
-                        <a:t>Hypervisor (VMs)</a:t>
+                        <a:t>Hypervisor</a:t>
+                      </a:r>
+                      <a:endParaRPr lang="en-US" sz="1000" dirty="0"/>
+                    </a:p>
+                  </a:txBody>
+                  <a:tcPr>
+                    <a:solidFill>
+                      <a:srgbClr val="E4716E"/>
+                    </a:solidFill>
+                  </a:tcPr>
+                </a:tc>
+                <a:tc>
+                  <a:txBody>
+                    <a:bodyPr/>
+                    <a:lstStyle/>
+                    <a:p>
+                      <a:pPr algn="ctr"/>
+                      <a:r>
+                        <a:rPr lang="en-US" sz="1000" dirty="0" smtClean="0"/>
+                        <a:t>Virtual</a:t>
+                      </a:r>
+                      <a:r>
+                        <a:rPr lang="en-US" sz="1000" baseline="0" dirty="0" smtClean="0"/>
+                        <a:t> Machine</a:t>
                       </a:r>
                       <a:endParaRPr lang="en-US" sz="1000" dirty="0"/>
                     </a:p>
@@ -3423,7 +3541,30 @@
                     <a:p>
                       <a:r>
                         <a:rPr lang="en-US" sz="1000" dirty="0" smtClean="0"/>
-                        <a:t>System Management Mode (SMI)</a:t>
+                        <a:t>System Management </a:t>
+                      </a:r>
+                      <a:r>
+                        <a:rPr lang="en-US" sz="1000" dirty="0" smtClean="0"/>
+                        <a:t>Mode</a:t>
+                      </a:r>
+                      <a:endParaRPr lang="en-US" sz="1000" dirty="0"/>
+                    </a:p>
+                  </a:txBody>
+                  <a:tcPr>
+                    <a:solidFill>
+                      <a:srgbClr val="DD4C2F"/>
+                    </a:solidFill>
+                  </a:tcPr>
+                </a:tc>
+                <a:tc>
+                  <a:txBody>
+                    <a:bodyPr/>
+                    <a:lstStyle/>
+                    <a:p>
+                      <a:pPr algn="ctr"/>
+                      <a:r>
+                        <a:rPr lang="en-US" sz="1000" dirty="0" smtClean="0"/>
+                        <a:t>BIOS SMI</a:t>
                       </a:r>
                       <a:endParaRPr lang="en-US" sz="1000" dirty="0"/>
                     </a:p>
@@ -3477,7 +3618,30 @@
                     <a:p>
                       <a:r>
                         <a:rPr lang="en-US" sz="1000" dirty="0" smtClean="0"/>
-                        <a:t>Intel Management Engine (ME)</a:t>
+                        <a:t>Intel Management </a:t>
+                      </a:r>
+                      <a:r>
+                        <a:rPr lang="en-US" sz="1000" dirty="0" smtClean="0"/>
+                        <a:t>Engine</a:t>
+                      </a:r>
+                      <a:endParaRPr lang="en-US" sz="1000" dirty="0"/>
+                    </a:p>
+                  </a:txBody>
+                  <a:tcPr>
+                    <a:solidFill>
+                      <a:srgbClr val="CC3300"/>
+                    </a:solidFill>
+                  </a:tcPr>
+                </a:tc>
+                <a:tc>
+                  <a:txBody>
+                    <a:bodyPr/>
+                    <a:lstStyle/>
+                    <a:p>
+                      <a:pPr algn="ctr"/>
+                      <a:r>
+                        <a:rPr lang="en-US" sz="1000" dirty="0" smtClean="0"/>
+                        <a:t>Remote Admin</a:t>
                       </a:r>
                       <a:endParaRPr lang="en-US" sz="1000" dirty="0"/>
                     </a:p>
@@ -3533,7 +3697,7 @@
         </p:blipFill>
         <p:spPr bwMode="auto">
           <a:xfrm>
-            <a:off x="6296569" y="198173"/>
+            <a:off x="6767973" y="198173"/>
             <a:ext cx="1992101" cy="1944216"/>
           </a:xfrm>
           <a:prstGeom prst="rect">
@@ -4402,7 +4566,11 @@
               <a:pPr algn="ctr"/>
               <a:r>
                 <a:rPr lang="en-US" sz="1600" b="1" i="1" dirty="0" smtClean="0"/>
-                <a:t>(control only)</a:t>
+                <a:t>(for control </a:t>
+              </a:r>
+              <a:r>
+                <a:rPr lang="en-US" sz="1600" b="1" i="1" dirty="0" smtClean="0"/>
+                <a:t>only)</a:t>
               </a:r>
               <a:endParaRPr lang="en-US" sz="1600" b="1" i="1" dirty="0"/>
             </a:p>
@@ -4440,6 +4608,150 @@
           </p:style>
         </p:cxnSp>
       </p:grpSp>
+      <p:sp>
+        <p:nvSpPr>
+          <p:cNvPr id="27" name="Left Arrow 26"/>
+          <p:cNvSpPr/>
+          <p:nvPr/>
+        </p:nvSpPr>
+        <p:spPr>
+          <a:xfrm>
+            <a:off x="5641342" y="1628800"/>
+            <a:ext cx="310117" cy="265815"/>
+          </a:xfrm>
+          <a:prstGeom prst="leftArrow">
+            <a:avLst/>
+          </a:prstGeom>
+          <a:solidFill>
+            <a:schemeClr val="bg1"/>
+          </a:solidFill>
+          <a:ln>
+            <a:solidFill>
+              <a:srgbClr val="C00000"/>
+            </a:solidFill>
+          </a:ln>
+        </p:spPr>
+        <p:style>
+          <a:lnRef idx="2">
+            <a:schemeClr val="accent1">
+              <a:shade val="50000"/>
+            </a:schemeClr>
+          </a:lnRef>
+          <a:fillRef idx="1">
+            <a:schemeClr val="accent1"/>
+          </a:fillRef>
+          <a:effectRef idx="0">
+            <a:schemeClr val="accent1"/>
+          </a:effectRef>
+          <a:fontRef idx="minor">
+            <a:schemeClr val="lt1"/>
+          </a:fontRef>
+        </p:style>
+        <p:txBody>
+          <a:bodyPr rtlCol="0" anchor="ctr"/>
+          <a:lstStyle/>
+          <a:p>
+            <a:pPr algn="ctr"/>
+            <a:endParaRPr lang="en-US" sz="1200"/>
+          </a:p>
+        </p:txBody>
+      </p:sp>
+      <p:sp>
+        <p:nvSpPr>
+          <p:cNvPr id="28" name="Left Arrow 27"/>
+          <p:cNvSpPr/>
+          <p:nvPr/>
+        </p:nvSpPr>
+        <p:spPr>
+          <a:xfrm>
+            <a:off x="5649263" y="904466"/>
+            <a:ext cx="310117" cy="265815"/>
+          </a:xfrm>
+          <a:prstGeom prst="leftArrow">
+            <a:avLst/>
+          </a:prstGeom>
+          <a:solidFill>
+            <a:schemeClr val="bg1"/>
+          </a:solidFill>
+          <a:ln>
+            <a:solidFill>
+              <a:srgbClr val="C00000"/>
+            </a:solidFill>
+          </a:ln>
+        </p:spPr>
+        <p:style>
+          <a:lnRef idx="2">
+            <a:schemeClr val="accent1">
+              <a:shade val="50000"/>
+            </a:schemeClr>
+          </a:lnRef>
+          <a:fillRef idx="1">
+            <a:schemeClr val="accent1"/>
+          </a:fillRef>
+          <a:effectRef idx="0">
+            <a:schemeClr val="accent1"/>
+          </a:effectRef>
+          <a:fontRef idx="minor">
+            <a:schemeClr val="lt1"/>
+          </a:fontRef>
+        </p:style>
+        <p:txBody>
+          <a:bodyPr rtlCol="0" anchor="ctr"/>
+          <a:lstStyle/>
+          <a:p>
+            <a:pPr algn="ctr"/>
+            <a:endParaRPr lang="en-US" sz="1200"/>
+          </a:p>
+        </p:txBody>
+      </p:sp>
+      <p:sp>
+        <p:nvSpPr>
+          <p:cNvPr id="30" name="Left Arrow 29"/>
+          <p:cNvSpPr/>
+          <p:nvPr/>
+        </p:nvSpPr>
+        <p:spPr>
+          <a:xfrm>
+            <a:off x="5632629" y="476672"/>
+            <a:ext cx="310117" cy="265815"/>
+          </a:xfrm>
+          <a:prstGeom prst="leftArrow">
+            <a:avLst/>
+          </a:prstGeom>
+          <a:solidFill>
+            <a:schemeClr val="bg1"/>
+          </a:solidFill>
+          <a:ln>
+            <a:solidFill>
+              <a:srgbClr val="C00000"/>
+            </a:solidFill>
+          </a:ln>
+        </p:spPr>
+        <p:style>
+          <a:lnRef idx="2">
+            <a:schemeClr val="accent1">
+              <a:shade val="50000"/>
+            </a:schemeClr>
+          </a:lnRef>
+          <a:fillRef idx="1">
+            <a:schemeClr val="accent1"/>
+          </a:fillRef>
+          <a:effectRef idx="0">
+            <a:schemeClr val="accent1"/>
+          </a:effectRef>
+          <a:fontRef idx="minor">
+            <a:schemeClr val="lt1"/>
+          </a:fontRef>
+        </p:style>
+        <p:txBody>
+          <a:bodyPr rtlCol="0" anchor="ctr"/>
+          <a:lstStyle/>
+          <a:p>
+            <a:pPr algn="ctr"/>
+            <a:endParaRPr lang="en-US" sz="1200"/>
+          </a:p>
+        </p:txBody>
+      </p:sp>
     </p:spTree>
     <p:extLst>
       <p:ext uri="{BB962C8B-B14F-4D97-AF65-F5344CB8AC3E}">
@@ -5140,11 +5452,7 @@
             <a:pPr algn="ctr"/>
             <a:r>
               <a:rPr lang="en-US" b="1" dirty="0" smtClean="0"/>
-              <a:t>Dell</a:t>
-            </a:r>
-            <a:r>
-              <a:rPr lang="en-US" b="1" dirty="0" smtClean="0"/>
-              <a:t> updates</a:t>
+              <a:t>Dell updates</a:t>
             </a:r>
             <a:endParaRPr lang="en-US" b="1" dirty="0"/>
           </a:p>

--- a/src/dell_smi_latency_problems v2.pptx
+++ b/src/dell_smi_latency_problems v2.pptx
@@ -7,9 +7,11 @@
   <p:sldIdLst>
     <p:sldId id="259" r:id="rId2"/>
     <p:sldId id="261" r:id="rId3"/>
-    <p:sldId id="264" r:id="rId4"/>
-    <p:sldId id="262" r:id="rId5"/>
-    <p:sldId id="263" r:id="rId6"/>
+    <p:sldId id="266" r:id="rId4"/>
+    <p:sldId id="265" r:id="rId5"/>
+    <p:sldId id="264" r:id="rId6"/>
+    <p:sldId id="262" r:id="rId7"/>
+    <p:sldId id="263" r:id="rId8"/>
   </p:sldIdLst>
   <p:sldSz cx="9144000" cy="6858000" type="screen4x3"/>
   <p:notesSz cx="6858000" cy="9144000"/>
@@ -292,7 +294,7 @@
           <a:p>
             <a:fld id="{1C270875-E729-438F-AD64-DA10B3256A5A}" type="datetimeFigureOut">
               <a:rPr lang="pt-PT" smtClean="0"/>
-              <a:t>24/02/2020</a:t>
+              <a:t>08/03/2020</a:t>
             </a:fld>
             <a:endParaRPr lang="pt-PT"/>
           </a:p>
@@ -457,7 +459,7 @@
           <a:p>
             <a:fld id="{1C270875-E729-438F-AD64-DA10B3256A5A}" type="datetimeFigureOut">
               <a:rPr lang="pt-PT" smtClean="0"/>
-              <a:t>24/02/2020</a:t>
+              <a:t>08/03/2020</a:t>
             </a:fld>
             <a:endParaRPr lang="pt-PT"/>
           </a:p>
@@ -632,7 +634,7 @@
           <a:p>
             <a:fld id="{1C270875-E729-438F-AD64-DA10B3256A5A}" type="datetimeFigureOut">
               <a:rPr lang="pt-PT" smtClean="0"/>
-              <a:t>24/02/2020</a:t>
+              <a:t>08/03/2020</a:t>
             </a:fld>
             <a:endParaRPr lang="pt-PT"/>
           </a:p>
@@ -797,7 +799,7 @@
           <a:p>
             <a:fld id="{1C270875-E729-438F-AD64-DA10B3256A5A}" type="datetimeFigureOut">
               <a:rPr lang="pt-PT" smtClean="0"/>
-              <a:t>24/02/2020</a:t>
+              <a:t>08/03/2020</a:t>
             </a:fld>
             <a:endParaRPr lang="pt-PT"/>
           </a:p>
@@ -1038,7 +1040,7 @@
           <a:p>
             <a:fld id="{1C270875-E729-438F-AD64-DA10B3256A5A}" type="datetimeFigureOut">
               <a:rPr lang="pt-PT" smtClean="0"/>
-              <a:t>24/02/2020</a:t>
+              <a:t>08/03/2020</a:t>
             </a:fld>
             <a:endParaRPr lang="pt-PT"/>
           </a:p>
@@ -1321,7 +1323,7 @@
           <a:p>
             <a:fld id="{1C270875-E729-438F-AD64-DA10B3256A5A}" type="datetimeFigureOut">
               <a:rPr lang="pt-PT" smtClean="0"/>
-              <a:t>24/02/2020</a:t>
+              <a:t>08/03/2020</a:t>
             </a:fld>
             <a:endParaRPr lang="pt-PT"/>
           </a:p>
@@ -1738,7 +1740,7 @@
           <a:p>
             <a:fld id="{1C270875-E729-438F-AD64-DA10B3256A5A}" type="datetimeFigureOut">
               <a:rPr lang="pt-PT" smtClean="0"/>
-              <a:t>24/02/2020</a:t>
+              <a:t>08/03/2020</a:t>
             </a:fld>
             <a:endParaRPr lang="pt-PT"/>
           </a:p>
@@ -1851,7 +1853,7 @@
           <a:p>
             <a:fld id="{1C270875-E729-438F-AD64-DA10B3256A5A}" type="datetimeFigureOut">
               <a:rPr lang="pt-PT" smtClean="0"/>
-              <a:t>24/02/2020</a:t>
+              <a:t>08/03/2020</a:t>
             </a:fld>
             <a:endParaRPr lang="pt-PT"/>
           </a:p>
@@ -1941,7 +1943,7 @@
           <a:p>
             <a:fld id="{1C270875-E729-438F-AD64-DA10B3256A5A}" type="datetimeFigureOut">
               <a:rPr lang="pt-PT" smtClean="0"/>
-              <a:t>24/02/2020</a:t>
+              <a:t>08/03/2020</a:t>
             </a:fld>
             <a:endParaRPr lang="pt-PT"/>
           </a:p>
@@ -2213,7 +2215,7 @@
           <a:p>
             <a:fld id="{1C270875-E729-438F-AD64-DA10B3256A5A}" type="datetimeFigureOut">
               <a:rPr lang="pt-PT" smtClean="0"/>
-              <a:t>24/02/2020</a:t>
+              <a:t>08/03/2020</a:t>
             </a:fld>
             <a:endParaRPr lang="pt-PT"/>
           </a:p>
@@ -2461,7 +2463,7 @@
           <a:p>
             <a:fld id="{1C270875-E729-438F-AD64-DA10B3256A5A}" type="datetimeFigureOut">
               <a:rPr lang="pt-PT" smtClean="0"/>
-              <a:t>24/02/2020</a:t>
+              <a:t>08/03/2020</a:t>
             </a:fld>
             <a:endParaRPr lang="pt-PT"/>
           </a:p>
@@ -2669,7 +2671,7 @@
           <a:p>
             <a:fld id="{1C270875-E729-438F-AD64-DA10B3256A5A}" type="datetimeFigureOut">
               <a:rPr lang="pt-PT" smtClean="0"/>
-              <a:t>24/02/2020</a:t>
+              <a:t>08/03/2020</a:t>
             </a:fld>
             <a:endParaRPr lang="pt-PT"/>
           </a:p>
@@ -3541,11 +3543,7 @@
                     <a:p>
                       <a:r>
                         <a:rPr lang="en-US" sz="1000" dirty="0" smtClean="0"/>
-                        <a:t>System Management </a:t>
-                      </a:r>
-                      <a:r>
-                        <a:rPr lang="en-US" sz="1000" dirty="0" smtClean="0"/>
-                        <a:t>Mode</a:t>
+                        <a:t>System Management Mode</a:t>
                       </a:r>
                       <a:endParaRPr lang="en-US" sz="1000" dirty="0"/>
                     </a:p>
@@ -3618,11 +3616,7 @@
                     <a:p>
                       <a:r>
                         <a:rPr lang="en-US" sz="1000" dirty="0" smtClean="0"/>
-                        <a:t>Intel Management </a:t>
-                      </a:r>
-                      <a:r>
-                        <a:rPr lang="en-US" sz="1000" dirty="0" smtClean="0"/>
-                        <a:t>Engine</a:t>
+                        <a:t>Intel Management Engine</a:t>
                       </a:r>
                       <a:endParaRPr lang="en-US" sz="1000" dirty="0"/>
                     </a:p>
@@ -4566,11 +4560,7 @@
               <a:pPr algn="ctr"/>
               <a:r>
                 <a:rPr lang="en-US" sz="1600" b="1" i="1" dirty="0" smtClean="0"/>
-                <a:t>(for control </a:t>
-              </a:r>
-              <a:r>
-                <a:rPr lang="en-US" sz="1600" b="1" i="1" dirty="0" smtClean="0"/>
-                <a:t>only)</a:t>
+                <a:t>(for control only)</a:t>
               </a:r>
               <a:endParaRPr lang="en-US" sz="1600" b="1" i="1" dirty="0"/>
             </a:p>
@@ -5343,6 +5333,37 @@
           </a:p>
         </p:txBody>
       </p:sp>
+      <p:cxnSp>
+        <p:nvCxnSpPr>
+          <p:cNvPr id="19" name="Straight Connector 18"/>
+          <p:cNvCxnSpPr/>
+          <p:nvPr/>
+        </p:nvCxnSpPr>
+        <p:spPr>
+          <a:xfrm>
+            <a:off x="518844" y="188640"/>
+            <a:ext cx="8478020" cy="0"/>
+          </a:xfrm>
+          <a:prstGeom prst="line">
+            <a:avLst/>
+          </a:prstGeom>
+          <a:ln w="19050"/>
+        </p:spPr>
+        <p:style>
+          <a:lnRef idx="1">
+            <a:schemeClr val="accent1"/>
+          </a:lnRef>
+          <a:fillRef idx="0">
+            <a:schemeClr val="accent1"/>
+          </a:fillRef>
+          <a:effectRef idx="0">
+            <a:schemeClr val="accent1"/>
+          </a:effectRef>
+          <a:fontRef idx="minor">
+            <a:schemeClr val="tx1"/>
+          </a:fontRef>
+        </p:style>
+      </p:cxnSp>
     </p:spTree>
     <p:extLst>
       <p:ext uri="{BB962C8B-B14F-4D97-AF65-F5344CB8AC3E}">
@@ -5357,6 +5378,545 @@
 </file>
 
 <file path=ppt/slides/slide3.xml><?xml version="1.0" encoding="utf-8"?>
+<p:sld xmlns:a="http://schemas.openxmlformats.org/drawingml/2006/main" xmlns:r="http://schemas.openxmlformats.org/officeDocument/2006/relationships" xmlns:p="http://schemas.openxmlformats.org/presentationml/2006/main">
+  <p:cSld>
+    <p:spTree>
+      <p:nvGrpSpPr>
+        <p:cNvPr id="1" name=""/>
+        <p:cNvGrpSpPr/>
+        <p:nvPr/>
+      </p:nvGrpSpPr>
+      <p:grpSpPr>
+        <a:xfrm>
+          <a:off x="0" y="0"/>
+          <a:ext cx="0" cy="0"/>
+          <a:chOff x="0" y="0"/>
+          <a:chExt cx="0" cy="0"/>
+        </a:xfrm>
+      </p:grpSpPr>
+      <p:cxnSp>
+        <p:nvCxnSpPr>
+          <p:cNvPr id="13" name="Straight Connector 12"/>
+          <p:cNvCxnSpPr/>
+          <p:nvPr/>
+        </p:nvCxnSpPr>
+        <p:spPr>
+          <a:xfrm>
+            <a:off x="432383" y="2924944"/>
+            <a:ext cx="8478020" cy="0"/>
+          </a:xfrm>
+          <a:prstGeom prst="line">
+            <a:avLst/>
+          </a:prstGeom>
+          <a:ln w="19050"/>
+        </p:spPr>
+        <p:style>
+          <a:lnRef idx="1">
+            <a:schemeClr val="accent1"/>
+          </a:lnRef>
+          <a:fillRef idx="0">
+            <a:schemeClr val="accent1"/>
+          </a:fillRef>
+          <a:effectRef idx="0">
+            <a:schemeClr val="accent1"/>
+          </a:effectRef>
+          <a:fontRef idx="minor">
+            <a:schemeClr val="tx1"/>
+          </a:fontRef>
+        </p:style>
+      </p:cxnSp>
+      <p:sp>
+        <p:nvSpPr>
+          <p:cNvPr id="15" name="TextBox 14"/>
+          <p:cNvSpPr txBox="1"/>
+          <p:nvPr/>
+        </p:nvSpPr>
+        <p:spPr>
+          <a:xfrm>
+            <a:off x="2116635" y="2276872"/>
+            <a:ext cx="5040560" cy="461665"/>
+          </a:xfrm>
+          <a:prstGeom prst="rect">
+            <a:avLst/>
+          </a:prstGeom>
+          <a:noFill/>
+        </p:spPr>
+        <p:txBody>
+          <a:bodyPr wrap="square" rtlCol="0">
+            <a:spAutoFit/>
+          </a:bodyPr>
+          <a:lstStyle/>
+          <a:p>
+            <a:r>
+              <a:rPr lang="en-US" sz="1200" i="1" dirty="0">
+                <a:hlinkClick r:id="rId2"/>
+              </a:rPr>
+              <a:t>https://</a:t>
+            </a:r>
+            <a:r>
+              <a:rPr lang="en-US" sz="1200" i="1" dirty="0" smtClean="0">
+                <a:hlinkClick r:id="rId2"/>
+              </a:rPr>
+              <a:t>en.wikipedia.org/wiki/System_Management_Mode</a:t>
+            </a:r>
+            <a:endParaRPr lang="en-US" sz="1200" i="1" dirty="0" smtClean="0"/>
+          </a:p>
+          <a:p>
+            <a:r>
+              <a:rPr lang="en-US" sz="1200" i="1" dirty="0">
+                <a:hlinkClick r:id="rId3"/>
+              </a:rPr>
+              <a:t>https://</a:t>
+            </a:r>
+            <a:r>
+              <a:rPr lang="en-US" sz="1200" i="1" dirty="0" smtClean="0">
+                <a:hlinkClick r:id="rId3"/>
+              </a:rPr>
+              <a:t>github.com/pestrela/smi_counter</a:t>
+            </a:r>
+            <a:endParaRPr lang="en-US" sz="1200" dirty="0"/>
+          </a:p>
+        </p:txBody>
+      </p:sp>
+      <p:cxnSp>
+        <p:nvCxnSpPr>
+          <p:cNvPr id="19" name="Straight Connector 18"/>
+          <p:cNvCxnSpPr/>
+          <p:nvPr/>
+        </p:nvCxnSpPr>
+        <p:spPr>
+          <a:xfrm>
+            <a:off x="518844" y="188640"/>
+            <a:ext cx="8478020" cy="0"/>
+          </a:xfrm>
+          <a:prstGeom prst="line">
+            <a:avLst/>
+          </a:prstGeom>
+          <a:ln w="19050"/>
+        </p:spPr>
+        <p:style>
+          <a:lnRef idx="1">
+            <a:schemeClr val="accent1"/>
+          </a:lnRef>
+          <a:fillRef idx="0">
+            <a:schemeClr val="accent1"/>
+          </a:fillRef>
+          <a:effectRef idx="0">
+            <a:schemeClr val="accent1"/>
+          </a:effectRef>
+          <a:fontRef idx="minor">
+            <a:schemeClr val="tx1"/>
+          </a:fontRef>
+        </p:style>
+      </p:cxnSp>
+      <p:grpSp>
+        <p:nvGrpSpPr>
+          <p:cNvPr id="14" name="Group 13"/>
+          <p:cNvGrpSpPr/>
+          <p:nvPr/>
+        </p:nvGrpSpPr>
+        <p:grpSpPr>
+          <a:xfrm>
+            <a:off x="432383" y="548680"/>
+            <a:ext cx="8448490" cy="1447800"/>
+            <a:chOff x="432383" y="828675"/>
+            <a:chExt cx="8448490" cy="1447800"/>
+          </a:xfrm>
+        </p:grpSpPr>
+        <p:sp>
+          <p:nvSpPr>
+            <p:cNvPr id="10" name="TextBox 9"/>
+            <p:cNvSpPr txBox="1"/>
+            <p:nvPr/>
+          </p:nvSpPr>
+          <p:spPr>
+            <a:xfrm>
+              <a:off x="432383" y="1360182"/>
+              <a:ext cx="1564594" cy="369332"/>
+            </a:xfrm>
+            <a:prstGeom prst="rect">
+              <a:avLst/>
+            </a:prstGeom>
+            <a:noFill/>
+          </p:spPr>
+          <p:txBody>
+            <a:bodyPr wrap="none" rtlCol="0">
+              <a:spAutoFit/>
+            </a:bodyPr>
+            <a:lstStyle/>
+            <a:p>
+              <a:pPr algn="ctr"/>
+              <a:r>
+                <a:rPr lang="en-US" b="1" dirty="0" smtClean="0"/>
+                <a:t>SERVICES.MSC</a:t>
+              </a:r>
+              <a:endParaRPr lang="en-US" b="1" dirty="0"/>
+            </a:p>
+          </p:txBody>
+        </p:sp>
+        <p:pic>
+          <p:nvPicPr>
+            <p:cNvPr id="1026" name="Picture 2" descr="C:\Users\Pedro\Desktop\U_Root\0_linux_home\git\smi_counter\dell_services.jpg"/>
+            <p:cNvPicPr>
+              <a:picLocks noChangeAspect="1" noChangeArrowheads="1"/>
+            </p:cNvPicPr>
+            <p:nvPr/>
+          </p:nvPicPr>
+          <p:blipFill rotWithShape="1">
+            <a:blip r:embed="rId4">
+              <a:extLst>
+                <a:ext uri="{28A0092B-C50C-407E-A947-70E740481C1C}">
+                  <a14:useLocalDpi xmlns:a14="http://schemas.microsoft.com/office/drawing/2010/main" val="0"/>
+                </a:ext>
+              </a:extLst>
+            </a:blip>
+            <a:srcRect t="-11202" r="2149" b="-12523"/>
+            <a:stretch/>
+          </p:blipFill>
+          <p:spPr bwMode="auto">
+            <a:xfrm>
+              <a:off x="2116635" y="828675"/>
+              <a:ext cx="6764238" cy="1447800"/>
+            </a:xfrm>
+            <a:prstGeom prst="rect">
+              <a:avLst/>
+            </a:prstGeom>
+            <a:noFill/>
+            <a:ln>
+              <a:solidFill>
+                <a:schemeClr val="accent1"/>
+              </a:solidFill>
+            </a:ln>
+            <a:extLst>
+              <a:ext uri="{909E8E84-426E-40DD-AFC4-6F175D3DCCD1}">
+                <a14:hiddenFill xmlns:a14="http://schemas.microsoft.com/office/drawing/2010/main">
+                  <a:solidFill>
+                    <a:srgbClr val="FFFFFF"/>
+                  </a:solidFill>
+                </a14:hiddenFill>
+              </a:ext>
+            </a:extLst>
+          </p:spPr>
+        </p:pic>
+        <p:sp>
+          <p:nvSpPr>
+            <p:cNvPr id="21" name="Left Arrow 20"/>
+            <p:cNvSpPr/>
+            <p:nvPr/>
+          </p:nvSpPr>
+          <p:spPr>
+            <a:xfrm>
+              <a:off x="8316414" y="1852478"/>
+              <a:ext cx="310117" cy="265815"/>
+            </a:xfrm>
+            <a:prstGeom prst="leftArrow">
+              <a:avLst/>
+            </a:prstGeom>
+            <a:solidFill>
+              <a:schemeClr val="bg1"/>
+            </a:solidFill>
+            <a:ln>
+              <a:solidFill>
+                <a:srgbClr val="C00000"/>
+              </a:solidFill>
+            </a:ln>
+          </p:spPr>
+          <p:style>
+            <a:lnRef idx="2">
+              <a:schemeClr val="accent1">
+                <a:shade val="50000"/>
+              </a:schemeClr>
+            </a:lnRef>
+            <a:fillRef idx="1">
+              <a:schemeClr val="accent1"/>
+            </a:fillRef>
+            <a:effectRef idx="0">
+              <a:schemeClr val="accent1"/>
+            </a:effectRef>
+            <a:fontRef idx="minor">
+              <a:schemeClr val="lt1"/>
+            </a:fontRef>
+          </p:style>
+          <p:txBody>
+            <a:bodyPr rtlCol="0" anchor="ctr"/>
+            <a:lstStyle/>
+            <a:p>
+              <a:pPr algn="ctr"/>
+              <a:endParaRPr lang="en-US" sz="1200"/>
+            </a:p>
+          </p:txBody>
+        </p:sp>
+        <p:sp>
+          <p:nvSpPr>
+            <p:cNvPr id="22" name="Left Arrow 21"/>
+            <p:cNvSpPr/>
+            <p:nvPr/>
+          </p:nvSpPr>
+          <p:spPr>
+            <a:xfrm>
+              <a:off x="3491880" y="1864115"/>
+              <a:ext cx="310117" cy="265815"/>
+            </a:xfrm>
+            <a:prstGeom prst="leftArrow">
+              <a:avLst/>
+            </a:prstGeom>
+            <a:solidFill>
+              <a:schemeClr val="bg1"/>
+            </a:solidFill>
+            <a:ln>
+              <a:solidFill>
+                <a:srgbClr val="C00000"/>
+              </a:solidFill>
+            </a:ln>
+          </p:spPr>
+          <p:style>
+            <a:lnRef idx="2">
+              <a:schemeClr val="accent1">
+                <a:shade val="50000"/>
+              </a:schemeClr>
+            </a:lnRef>
+            <a:fillRef idx="1">
+              <a:schemeClr val="accent1"/>
+            </a:fillRef>
+            <a:effectRef idx="0">
+              <a:schemeClr val="accent1"/>
+            </a:effectRef>
+            <a:fontRef idx="minor">
+              <a:schemeClr val="lt1"/>
+            </a:fontRef>
+          </p:style>
+          <p:txBody>
+            <a:bodyPr rtlCol="0" anchor="ctr"/>
+            <a:lstStyle/>
+            <a:p>
+              <a:pPr algn="ctr"/>
+              <a:endParaRPr lang="en-US" sz="1200"/>
+            </a:p>
+          </p:txBody>
+        </p:sp>
+        <p:cxnSp>
+          <p:nvCxnSpPr>
+            <p:cNvPr id="3" name="Straight Connector 2"/>
+            <p:cNvCxnSpPr/>
+            <p:nvPr/>
+          </p:nvCxnSpPr>
+          <p:spPr>
+            <a:xfrm>
+              <a:off x="2177734" y="1985386"/>
+              <a:ext cx="900100" cy="0"/>
+            </a:xfrm>
+            <a:prstGeom prst="line">
+              <a:avLst/>
+            </a:prstGeom>
+            <a:ln>
+              <a:solidFill>
+                <a:srgbClr val="C00000"/>
+              </a:solidFill>
+            </a:ln>
+          </p:spPr>
+          <p:style>
+            <a:lnRef idx="1">
+              <a:schemeClr val="accent1"/>
+            </a:lnRef>
+            <a:fillRef idx="0">
+              <a:schemeClr val="accent1"/>
+            </a:fillRef>
+            <a:effectRef idx="0">
+              <a:schemeClr val="accent1"/>
+            </a:effectRef>
+            <a:fontRef idx="minor">
+              <a:schemeClr val="tx1"/>
+            </a:fontRef>
+          </p:style>
+        </p:cxnSp>
+        <p:cxnSp>
+          <p:nvCxnSpPr>
+            <p:cNvPr id="23" name="Straight Connector 22"/>
+            <p:cNvCxnSpPr/>
+            <p:nvPr/>
+          </p:nvCxnSpPr>
+          <p:spPr>
+            <a:xfrm>
+              <a:off x="2177734" y="2121416"/>
+              <a:ext cx="1253180" cy="0"/>
+            </a:xfrm>
+            <a:prstGeom prst="line">
+              <a:avLst/>
+            </a:prstGeom>
+            <a:ln>
+              <a:solidFill>
+                <a:srgbClr val="C00000"/>
+              </a:solidFill>
+            </a:ln>
+          </p:spPr>
+          <p:style>
+            <a:lnRef idx="1">
+              <a:schemeClr val="accent1"/>
+            </a:lnRef>
+            <a:fillRef idx="0">
+              <a:schemeClr val="accent1"/>
+            </a:fillRef>
+            <a:effectRef idx="0">
+              <a:schemeClr val="accent1"/>
+            </a:effectRef>
+            <a:fontRef idx="minor">
+              <a:schemeClr val="tx1"/>
+            </a:fontRef>
+          </p:style>
+        </p:cxnSp>
+        <p:cxnSp>
+          <p:nvCxnSpPr>
+            <p:cNvPr id="25" name="Straight Connector 24"/>
+            <p:cNvCxnSpPr/>
+            <p:nvPr/>
+          </p:nvCxnSpPr>
+          <p:spPr>
+            <a:xfrm>
+              <a:off x="7884368" y="1984808"/>
+              <a:ext cx="324036" cy="0"/>
+            </a:xfrm>
+            <a:prstGeom prst="line">
+              <a:avLst/>
+            </a:prstGeom>
+            <a:ln>
+              <a:solidFill>
+                <a:srgbClr val="C00000"/>
+              </a:solidFill>
+            </a:ln>
+          </p:spPr>
+          <p:style>
+            <a:lnRef idx="1">
+              <a:schemeClr val="accent1"/>
+            </a:lnRef>
+            <a:fillRef idx="0">
+              <a:schemeClr val="accent1"/>
+            </a:fillRef>
+            <a:effectRef idx="0">
+              <a:schemeClr val="accent1"/>
+            </a:effectRef>
+            <a:fontRef idx="minor">
+              <a:schemeClr val="tx1"/>
+            </a:fontRef>
+          </p:style>
+        </p:cxnSp>
+        <p:cxnSp>
+          <p:nvCxnSpPr>
+            <p:cNvPr id="27" name="Straight Connector 26"/>
+            <p:cNvCxnSpPr/>
+            <p:nvPr/>
+          </p:nvCxnSpPr>
+          <p:spPr>
+            <a:xfrm>
+              <a:off x="7884368" y="2117138"/>
+              <a:ext cx="324036" cy="0"/>
+            </a:xfrm>
+            <a:prstGeom prst="line">
+              <a:avLst/>
+            </a:prstGeom>
+            <a:ln>
+              <a:solidFill>
+                <a:srgbClr val="C00000"/>
+              </a:solidFill>
+            </a:ln>
+          </p:spPr>
+          <p:style>
+            <a:lnRef idx="1">
+              <a:schemeClr val="accent1"/>
+            </a:lnRef>
+            <a:fillRef idx="0">
+              <a:schemeClr val="accent1"/>
+            </a:fillRef>
+            <a:effectRef idx="0">
+              <a:schemeClr val="accent1"/>
+            </a:effectRef>
+            <a:fontRef idx="minor">
+              <a:schemeClr val="tx1"/>
+            </a:fontRef>
+          </p:style>
+        </p:cxnSp>
+      </p:grpSp>
+    </p:spTree>
+    <p:extLst>
+      <p:ext uri="{BB962C8B-B14F-4D97-AF65-F5344CB8AC3E}">
+        <p14:creationId xmlns:p14="http://schemas.microsoft.com/office/powerpoint/2010/main" val="2643556164"/>
+      </p:ext>
+    </p:extLst>
+  </p:cSld>
+  <p:clrMapOvr>
+    <a:masterClrMapping/>
+  </p:clrMapOvr>
+</p:sld>
+</file>
+
+<file path=ppt/slides/slide4.xml><?xml version="1.0" encoding="utf-8"?>
+<p:sld xmlns:a="http://schemas.openxmlformats.org/drawingml/2006/main" xmlns:r="http://schemas.openxmlformats.org/officeDocument/2006/relationships" xmlns:p="http://schemas.openxmlformats.org/presentationml/2006/main">
+  <p:cSld>
+    <p:spTree>
+      <p:nvGrpSpPr>
+        <p:cNvPr id="1" name=""/>
+        <p:cNvGrpSpPr/>
+        <p:nvPr/>
+      </p:nvGrpSpPr>
+      <p:grpSpPr>
+        <a:xfrm>
+          <a:off x="0" y="0"/>
+          <a:ext cx="0" cy="0"/>
+          <a:chOff x="0" y="0"/>
+          <a:chExt cx="0" cy="0"/>
+        </a:xfrm>
+      </p:grpSpPr>
+      <p:sp>
+        <p:nvSpPr>
+          <p:cNvPr id="2" name="Title 1"/>
+          <p:cNvSpPr>
+            <a:spLocks noGrp="1"/>
+          </p:cNvSpPr>
+          <p:nvPr>
+            <p:ph type="title"/>
+          </p:nvPr>
+        </p:nvSpPr>
+        <p:spPr/>
+        <p:txBody>
+          <a:bodyPr/>
+          <a:lstStyle/>
+          <a:p>
+            <a:endParaRPr lang="en-US"/>
+          </a:p>
+        </p:txBody>
+      </p:sp>
+      <p:sp>
+        <p:nvSpPr>
+          <p:cNvPr id="3" name="Content Placeholder 2"/>
+          <p:cNvSpPr>
+            <a:spLocks noGrp="1"/>
+          </p:cNvSpPr>
+          <p:nvPr>
+            <p:ph idx="1"/>
+          </p:nvPr>
+        </p:nvSpPr>
+        <p:spPr/>
+        <p:txBody>
+          <a:bodyPr/>
+          <a:lstStyle/>
+          <a:p>
+            <a:endParaRPr lang="en-US"/>
+          </a:p>
+        </p:txBody>
+      </p:sp>
+    </p:spTree>
+    <p:extLst>
+      <p:ext uri="{BB962C8B-B14F-4D97-AF65-F5344CB8AC3E}">
+        <p14:creationId xmlns:p14="http://schemas.microsoft.com/office/powerpoint/2010/main" val="3947207525"/>
+      </p:ext>
+    </p:extLst>
+  </p:cSld>
+  <p:clrMapOvr>
+    <a:masterClrMapping/>
+  </p:clrMapOvr>
+</p:sld>
+</file>
+
+<file path=ppt/slides/slide5.xml><?xml version="1.0" encoding="utf-8"?>
 <p:sld xmlns:a="http://schemas.openxmlformats.org/drawingml/2006/main" xmlns:r="http://schemas.openxmlformats.org/officeDocument/2006/relationships" xmlns:p="http://schemas.openxmlformats.org/presentationml/2006/main">
   <p:cSld>
     <p:spTree>
@@ -5519,7 +6079,7 @@
 </p:sld>
 </file>
 
-<file path=ppt/slides/slide4.xml><?xml version="1.0" encoding="utf-8"?>
+<file path=ppt/slides/slide6.xml><?xml version="1.0" encoding="utf-8"?>
 <p:sld xmlns:a="http://schemas.openxmlformats.org/drawingml/2006/main" xmlns:r="http://schemas.openxmlformats.org/officeDocument/2006/relationships" xmlns:p="http://schemas.openxmlformats.org/presentationml/2006/main">
   <p:cSld>
     <p:spTree>
@@ -5730,7 +6290,7 @@
 </p:sld>
 </file>
 
-<file path=ppt/slides/slide5.xml><?xml version="1.0" encoding="utf-8"?>
+<file path=ppt/slides/slide7.xml><?xml version="1.0" encoding="utf-8"?>
 <p:sld xmlns:a="http://schemas.openxmlformats.org/drawingml/2006/main" xmlns:r="http://schemas.openxmlformats.org/officeDocument/2006/relationships" xmlns:p="http://schemas.openxmlformats.org/presentationml/2006/main">
   <p:cSld>
     <p:spTree>

--- a/src/dell_smi_latency_problems v2.pptx
+++ b/src/dell_smi_latency_problems v2.pptx
@@ -294,7 +294,7 @@
           <a:p>
             <a:fld id="{1C270875-E729-438F-AD64-DA10B3256A5A}" type="datetimeFigureOut">
               <a:rPr lang="pt-PT" smtClean="0"/>
-              <a:t>08/03/2020</a:t>
+              <a:t>19/03/2020</a:t>
             </a:fld>
             <a:endParaRPr lang="pt-PT"/>
           </a:p>
@@ -459,7 +459,7 @@
           <a:p>
             <a:fld id="{1C270875-E729-438F-AD64-DA10B3256A5A}" type="datetimeFigureOut">
               <a:rPr lang="pt-PT" smtClean="0"/>
-              <a:t>08/03/2020</a:t>
+              <a:t>19/03/2020</a:t>
             </a:fld>
             <a:endParaRPr lang="pt-PT"/>
           </a:p>
@@ -634,7 +634,7 @@
           <a:p>
             <a:fld id="{1C270875-E729-438F-AD64-DA10B3256A5A}" type="datetimeFigureOut">
               <a:rPr lang="pt-PT" smtClean="0"/>
-              <a:t>08/03/2020</a:t>
+              <a:t>19/03/2020</a:t>
             </a:fld>
             <a:endParaRPr lang="pt-PT"/>
           </a:p>
@@ -799,7 +799,7 @@
           <a:p>
             <a:fld id="{1C270875-E729-438F-AD64-DA10B3256A5A}" type="datetimeFigureOut">
               <a:rPr lang="pt-PT" smtClean="0"/>
-              <a:t>08/03/2020</a:t>
+              <a:t>19/03/2020</a:t>
             </a:fld>
             <a:endParaRPr lang="pt-PT"/>
           </a:p>
@@ -1040,7 +1040,7 @@
           <a:p>
             <a:fld id="{1C270875-E729-438F-AD64-DA10B3256A5A}" type="datetimeFigureOut">
               <a:rPr lang="pt-PT" smtClean="0"/>
-              <a:t>08/03/2020</a:t>
+              <a:t>19/03/2020</a:t>
             </a:fld>
             <a:endParaRPr lang="pt-PT"/>
           </a:p>
@@ -1323,7 +1323,7 @@
           <a:p>
             <a:fld id="{1C270875-E729-438F-AD64-DA10B3256A5A}" type="datetimeFigureOut">
               <a:rPr lang="pt-PT" smtClean="0"/>
-              <a:t>08/03/2020</a:t>
+              <a:t>19/03/2020</a:t>
             </a:fld>
             <a:endParaRPr lang="pt-PT"/>
           </a:p>
@@ -1740,7 +1740,7 @@
           <a:p>
             <a:fld id="{1C270875-E729-438F-AD64-DA10B3256A5A}" type="datetimeFigureOut">
               <a:rPr lang="pt-PT" smtClean="0"/>
-              <a:t>08/03/2020</a:t>
+              <a:t>19/03/2020</a:t>
             </a:fld>
             <a:endParaRPr lang="pt-PT"/>
           </a:p>
@@ -1853,7 +1853,7 @@
           <a:p>
             <a:fld id="{1C270875-E729-438F-AD64-DA10B3256A5A}" type="datetimeFigureOut">
               <a:rPr lang="pt-PT" smtClean="0"/>
-              <a:t>08/03/2020</a:t>
+              <a:t>19/03/2020</a:t>
             </a:fld>
             <a:endParaRPr lang="pt-PT"/>
           </a:p>
@@ -1943,7 +1943,7 @@
           <a:p>
             <a:fld id="{1C270875-E729-438F-AD64-DA10B3256A5A}" type="datetimeFigureOut">
               <a:rPr lang="pt-PT" smtClean="0"/>
-              <a:t>08/03/2020</a:t>
+              <a:t>19/03/2020</a:t>
             </a:fld>
             <a:endParaRPr lang="pt-PT"/>
           </a:p>
@@ -2215,7 +2215,7 @@
           <a:p>
             <a:fld id="{1C270875-E729-438F-AD64-DA10B3256A5A}" type="datetimeFigureOut">
               <a:rPr lang="pt-PT" smtClean="0"/>
-              <a:t>08/03/2020</a:t>
+              <a:t>19/03/2020</a:t>
             </a:fld>
             <a:endParaRPr lang="pt-PT"/>
           </a:p>
@@ -2463,7 +2463,7 @@
           <a:p>
             <a:fld id="{1C270875-E729-438F-AD64-DA10B3256A5A}" type="datetimeFigureOut">
               <a:rPr lang="pt-PT" smtClean="0"/>
-              <a:t>08/03/2020</a:t>
+              <a:t>19/03/2020</a:t>
             </a:fld>
             <a:endParaRPr lang="pt-PT"/>
           </a:p>
@@ -2671,7 +2671,7 @@
           <a:p>
             <a:fld id="{1C270875-E729-438F-AD64-DA10B3256A5A}" type="datetimeFigureOut">
               <a:rPr lang="pt-PT" smtClean="0"/>
-              <a:t>08/03/2020</a:t>
+              <a:t>19/03/2020</a:t>
             </a:fld>
             <a:endParaRPr lang="pt-PT"/>
           </a:p>
@@ -5402,7 +5402,7 @@
         </p:nvCxnSpPr>
         <p:spPr>
           <a:xfrm>
-            <a:off x="432383" y="2924944"/>
+            <a:off x="432383" y="2564904"/>
             <a:ext cx="8478020" cy="0"/>
           </a:xfrm>
           <a:prstGeom prst="line">
@@ -5433,7 +5433,7 @@
         </p:nvSpPr>
         <p:spPr>
           <a:xfrm>
-            <a:off x="2116635" y="2276872"/>
+            <a:off x="2116635" y="1997419"/>
             <a:ext cx="5040560" cy="461665"/>
           </a:xfrm>
           <a:prstGeom prst="rect">
@@ -5486,7 +5486,7 @@
         </p:nvCxnSpPr>
         <p:spPr>
           <a:xfrm>
-            <a:off x="518844" y="188640"/>
+            <a:off x="518844" y="116632"/>
             <a:ext cx="8478020" cy="0"/>
           </a:xfrm>
           <a:prstGeom prst="line">
@@ -5509,74 +5509,436 @@
           </a:fontRef>
         </p:style>
       </p:cxnSp>
+      <p:sp>
+        <p:nvSpPr>
+          <p:cNvPr id="10" name="TextBox 9"/>
+          <p:cNvSpPr txBox="1"/>
+          <p:nvPr/>
+        </p:nvSpPr>
+        <p:spPr>
+          <a:xfrm>
+            <a:off x="432383" y="800734"/>
+            <a:ext cx="1564594" cy="369332"/>
+          </a:xfrm>
+          <a:prstGeom prst="rect">
+            <a:avLst/>
+          </a:prstGeom>
+          <a:noFill/>
+        </p:spPr>
+        <p:txBody>
+          <a:bodyPr wrap="none" rtlCol="0">
+            <a:spAutoFit/>
+          </a:bodyPr>
+          <a:lstStyle/>
+          <a:p>
+            <a:pPr algn="ctr"/>
+            <a:r>
+              <a:rPr lang="en-US" b="1" dirty="0" smtClean="0"/>
+              <a:t>SERVICES.MSC</a:t>
+            </a:r>
+            <a:endParaRPr lang="en-US" b="1" dirty="0"/>
+          </a:p>
+        </p:txBody>
+      </p:sp>
+      <p:pic>
+        <p:nvPicPr>
+          <p:cNvPr id="1026" name="Picture 2" descr="C:\Users\Pedro\Desktop\U_Root\0_linux_home\git\smi_counter\dell_services.jpg"/>
+          <p:cNvPicPr>
+            <a:picLocks noChangeAspect="1" noChangeArrowheads="1"/>
+          </p:cNvPicPr>
+          <p:nvPr/>
+        </p:nvPicPr>
+        <p:blipFill rotWithShape="1">
+          <a:blip r:embed="rId4">
+            <a:extLst>
+              <a:ext uri="{28A0092B-C50C-407E-A947-70E740481C1C}">
+                <a14:useLocalDpi xmlns:a14="http://schemas.microsoft.com/office/drawing/2010/main" val="0"/>
+              </a:ext>
+            </a:extLst>
+          </a:blip>
+          <a:srcRect t="-11202" r="2149" b="-12523"/>
+          <a:stretch/>
+        </p:blipFill>
+        <p:spPr bwMode="auto">
+          <a:xfrm>
+            <a:off x="2116635" y="269227"/>
+            <a:ext cx="6764238" cy="1447800"/>
+          </a:xfrm>
+          <a:prstGeom prst="rect">
+            <a:avLst/>
+          </a:prstGeom>
+          <a:noFill/>
+          <a:ln>
+            <a:solidFill>
+              <a:schemeClr val="accent1"/>
+            </a:solidFill>
+          </a:ln>
+          <a:extLst>
+            <a:ext uri="{909E8E84-426E-40DD-AFC4-6F175D3DCCD1}">
+              <a14:hiddenFill xmlns:a14="http://schemas.microsoft.com/office/drawing/2010/main">
+                <a:solidFill>
+                  <a:srgbClr val="FFFFFF"/>
+                </a:solidFill>
+              </a14:hiddenFill>
+            </a:ext>
+          </a:extLst>
+        </p:spPr>
+      </p:pic>
+      <p:sp>
+        <p:nvSpPr>
+          <p:cNvPr id="21" name="Left Arrow 20"/>
+          <p:cNvSpPr/>
+          <p:nvPr/>
+        </p:nvSpPr>
+        <p:spPr>
+          <a:xfrm>
+            <a:off x="8316414" y="1293030"/>
+            <a:ext cx="310117" cy="265815"/>
+          </a:xfrm>
+          <a:prstGeom prst="leftArrow">
+            <a:avLst/>
+          </a:prstGeom>
+          <a:solidFill>
+            <a:schemeClr val="bg1"/>
+          </a:solidFill>
+          <a:ln>
+            <a:solidFill>
+              <a:srgbClr val="C00000"/>
+            </a:solidFill>
+          </a:ln>
+        </p:spPr>
+        <p:style>
+          <a:lnRef idx="2">
+            <a:schemeClr val="accent1">
+              <a:shade val="50000"/>
+            </a:schemeClr>
+          </a:lnRef>
+          <a:fillRef idx="1">
+            <a:schemeClr val="accent1"/>
+          </a:fillRef>
+          <a:effectRef idx="0">
+            <a:schemeClr val="accent1"/>
+          </a:effectRef>
+          <a:fontRef idx="minor">
+            <a:schemeClr val="lt1"/>
+          </a:fontRef>
+        </p:style>
+        <p:txBody>
+          <a:bodyPr rtlCol="0" anchor="ctr"/>
+          <a:lstStyle/>
+          <a:p>
+            <a:pPr algn="ctr"/>
+            <a:endParaRPr lang="en-US" sz="1200"/>
+          </a:p>
+        </p:txBody>
+      </p:sp>
+      <p:sp>
+        <p:nvSpPr>
+          <p:cNvPr id="22" name="Left Arrow 21"/>
+          <p:cNvSpPr/>
+          <p:nvPr/>
+        </p:nvSpPr>
+        <p:spPr>
+          <a:xfrm>
+            <a:off x="3491880" y="1304667"/>
+            <a:ext cx="310117" cy="265815"/>
+          </a:xfrm>
+          <a:prstGeom prst="leftArrow">
+            <a:avLst/>
+          </a:prstGeom>
+          <a:solidFill>
+            <a:schemeClr val="bg1"/>
+          </a:solidFill>
+          <a:ln>
+            <a:solidFill>
+              <a:srgbClr val="C00000"/>
+            </a:solidFill>
+          </a:ln>
+        </p:spPr>
+        <p:style>
+          <a:lnRef idx="2">
+            <a:schemeClr val="accent1">
+              <a:shade val="50000"/>
+            </a:schemeClr>
+          </a:lnRef>
+          <a:fillRef idx="1">
+            <a:schemeClr val="accent1"/>
+          </a:fillRef>
+          <a:effectRef idx="0">
+            <a:schemeClr val="accent1"/>
+          </a:effectRef>
+          <a:fontRef idx="minor">
+            <a:schemeClr val="lt1"/>
+          </a:fontRef>
+        </p:style>
+        <p:txBody>
+          <a:bodyPr rtlCol="0" anchor="ctr"/>
+          <a:lstStyle/>
+          <a:p>
+            <a:pPr algn="ctr"/>
+            <a:endParaRPr lang="en-US" sz="1200"/>
+          </a:p>
+        </p:txBody>
+      </p:sp>
+      <p:cxnSp>
+        <p:nvCxnSpPr>
+          <p:cNvPr id="3" name="Straight Connector 2"/>
+          <p:cNvCxnSpPr/>
+          <p:nvPr/>
+        </p:nvCxnSpPr>
+        <p:spPr>
+          <a:xfrm>
+            <a:off x="2177734" y="1425938"/>
+            <a:ext cx="900100" cy="0"/>
+          </a:xfrm>
+          <a:prstGeom prst="line">
+            <a:avLst/>
+          </a:prstGeom>
+          <a:ln>
+            <a:solidFill>
+              <a:srgbClr val="C00000"/>
+            </a:solidFill>
+          </a:ln>
+        </p:spPr>
+        <p:style>
+          <a:lnRef idx="1">
+            <a:schemeClr val="accent1"/>
+          </a:lnRef>
+          <a:fillRef idx="0">
+            <a:schemeClr val="accent1"/>
+          </a:fillRef>
+          <a:effectRef idx="0">
+            <a:schemeClr val="accent1"/>
+          </a:effectRef>
+          <a:fontRef idx="minor">
+            <a:schemeClr val="tx1"/>
+          </a:fontRef>
+        </p:style>
+      </p:cxnSp>
+      <p:cxnSp>
+        <p:nvCxnSpPr>
+          <p:cNvPr id="23" name="Straight Connector 22"/>
+          <p:cNvCxnSpPr/>
+          <p:nvPr/>
+        </p:nvCxnSpPr>
+        <p:spPr>
+          <a:xfrm>
+            <a:off x="2177734" y="1561968"/>
+            <a:ext cx="1253180" cy="0"/>
+          </a:xfrm>
+          <a:prstGeom prst="line">
+            <a:avLst/>
+          </a:prstGeom>
+          <a:ln>
+            <a:solidFill>
+              <a:srgbClr val="C00000"/>
+            </a:solidFill>
+          </a:ln>
+        </p:spPr>
+        <p:style>
+          <a:lnRef idx="1">
+            <a:schemeClr val="accent1"/>
+          </a:lnRef>
+          <a:fillRef idx="0">
+            <a:schemeClr val="accent1"/>
+          </a:fillRef>
+          <a:effectRef idx="0">
+            <a:schemeClr val="accent1"/>
+          </a:effectRef>
+          <a:fontRef idx="minor">
+            <a:schemeClr val="tx1"/>
+          </a:fontRef>
+        </p:style>
+      </p:cxnSp>
+      <p:cxnSp>
+        <p:nvCxnSpPr>
+          <p:cNvPr id="25" name="Straight Connector 24"/>
+          <p:cNvCxnSpPr/>
+          <p:nvPr/>
+        </p:nvCxnSpPr>
+        <p:spPr>
+          <a:xfrm>
+            <a:off x="7884368" y="1425360"/>
+            <a:ext cx="324036" cy="0"/>
+          </a:xfrm>
+          <a:prstGeom prst="line">
+            <a:avLst/>
+          </a:prstGeom>
+          <a:ln>
+            <a:solidFill>
+              <a:srgbClr val="C00000"/>
+            </a:solidFill>
+          </a:ln>
+        </p:spPr>
+        <p:style>
+          <a:lnRef idx="1">
+            <a:schemeClr val="accent1"/>
+          </a:lnRef>
+          <a:fillRef idx="0">
+            <a:schemeClr val="accent1"/>
+          </a:fillRef>
+          <a:effectRef idx="0">
+            <a:schemeClr val="accent1"/>
+          </a:effectRef>
+          <a:fontRef idx="minor">
+            <a:schemeClr val="tx1"/>
+          </a:fontRef>
+        </p:style>
+      </p:cxnSp>
+      <p:cxnSp>
+        <p:nvCxnSpPr>
+          <p:cNvPr id="27" name="Straight Connector 26"/>
+          <p:cNvCxnSpPr/>
+          <p:nvPr/>
+        </p:nvCxnSpPr>
+        <p:spPr>
+          <a:xfrm>
+            <a:off x="7884368" y="1557690"/>
+            <a:ext cx="324036" cy="0"/>
+          </a:xfrm>
+          <a:prstGeom prst="line">
+            <a:avLst/>
+          </a:prstGeom>
+          <a:ln>
+            <a:solidFill>
+              <a:srgbClr val="C00000"/>
+            </a:solidFill>
+          </a:ln>
+        </p:spPr>
+        <p:style>
+          <a:lnRef idx="1">
+            <a:schemeClr val="accent1"/>
+          </a:lnRef>
+          <a:fillRef idx="0">
+            <a:schemeClr val="accent1"/>
+          </a:fillRef>
+          <a:effectRef idx="0">
+            <a:schemeClr val="accent1"/>
+          </a:effectRef>
+          <a:fontRef idx="minor">
+            <a:schemeClr val="tx1"/>
+          </a:fontRef>
+        </p:style>
+      </p:cxnSp>
+      <p:sp>
+        <p:nvSpPr>
+          <p:cNvPr id="16" name="TextBox 15"/>
+          <p:cNvSpPr txBox="1"/>
+          <p:nvPr/>
+        </p:nvSpPr>
+        <p:spPr>
+          <a:xfrm>
+            <a:off x="2023265" y="6453336"/>
+            <a:ext cx="3268815" cy="276999"/>
+          </a:xfrm>
+          <a:prstGeom prst="rect">
+            <a:avLst/>
+          </a:prstGeom>
+          <a:noFill/>
+        </p:spPr>
+        <p:txBody>
+          <a:bodyPr wrap="square" rtlCol="0">
+            <a:spAutoFit/>
+          </a:bodyPr>
+          <a:lstStyle/>
+          <a:p>
+            <a:r>
+              <a:rPr lang="en-US" sz="1200" i="1" dirty="0" smtClean="0">
+                <a:hlinkClick r:id="rId3"/>
+              </a:rPr>
+              <a:t>https</a:t>
+            </a:r>
+            <a:r>
+              <a:rPr lang="en-US" sz="1200" i="1" dirty="0">
+                <a:hlinkClick r:id="rId3"/>
+              </a:rPr>
+              <a:t>://</a:t>
+            </a:r>
+            <a:r>
+              <a:rPr lang="en-US" sz="1200" i="1" dirty="0" smtClean="0">
+                <a:hlinkClick r:id="rId3"/>
+              </a:rPr>
+              <a:t>github.com/pestrela/smi_counter</a:t>
+            </a:r>
+            <a:endParaRPr lang="en-US" sz="1200" dirty="0"/>
+          </a:p>
+        </p:txBody>
+      </p:sp>
+      <p:sp>
+        <p:nvSpPr>
+          <p:cNvPr id="17" name="TextBox 16"/>
+          <p:cNvSpPr txBox="1"/>
+          <p:nvPr/>
+        </p:nvSpPr>
+        <p:spPr>
+          <a:xfrm>
+            <a:off x="492275" y="4680587"/>
+            <a:ext cx="1444819" cy="646331"/>
+          </a:xfrm>
+          <a:prstGeom prst="rect">
+            <a:avLst/>
+          </a:prstGeom>
+          <a:noFill/>
+        </p:spPr>
+        <p:txBody>
+          <a:bodyPr wrap="none" rtlCol="0">
+            <a:spAutoFit/>
+          </a:bodyPr>
+          <a:lstStyle/>
+          <a:p>
+            <a:pPr algn="ctr"/>
+            <a:r>
+              <a:rPr lang="en-US" b="1" dirty="0" smtClean="0"/>
+              <a:t>Add/Remove</a:t>
+            </a:r>
+            <a:br>
+              <a:rPr lang="en-US" b="1" dirty="0" smtClean="0"/>
+            </a:br>
+            <a:r>
+              <a:rPr lang="en-US" b="1" dirty="0" smtClean="0"/>
+              <a:t>Programs</a:t>
+            </a:r>
+            <a:endParaRPr lang="en-US" b="1" dirty="0"/>
+          </a:p>
+        </p:txBody>
+      </p:sp>
       <p:grpSp>
         <p:nvGrpSpPr>
-          <p:cNvPr id="14" name="Group 13"/>
+          <p:cNvPr id="11" name="Group 10"/>
           <p:cNvGrpSpPr/>
           <p:nvPr/>
         </p:nvGrpSpPr>
         <p:grpSpPr>
           <a:xfrm>
-            <a:off x="432383" y="548680"/>
-            <a:ext cx="8448490" cy="1447800"/>
-            <a:chOff x="432383" y="828675"/>
-            <a:chExt cx="8448490" cy="1447800"/>
+            <a:off x="2123728" y="2708920"/>
+            <a:ext cx="2513187" cy="3686526"/>
+            <a:chOff x="2123728" y="2766811"/>
+            <a:chExt cx="2513187" cy="3686526"/>
           </a:xfrm>
         </p:grpSpPr>
-        <p:sp>
-          <p:nvSpPr>
-            <p:cNvPr id="10" name="TextBox 9"/>
-            <p:cNvSpPr txBox="1"/>
-            <p:nvPr/>
-          </p:nvSpPr>
-          <p:spPr>
-            <a:xfrm>
-              <a:off x="432383" y="1360182"/>
-              <a:ext cx="1564594" cy="369332"/>
-            </a:xfrm>
-            <a:prstGeom prst="rect">
-              <a:avLst/>
-            </a:prstGeom>
-            <a:noFill/>
-          </p:spPr>
-          <p:txBody>
-            <a:bodyPr wrap="none" rtlCol="0">
-              <a:spAutoFit/>
-            </a:bodyPr>
-            <a:lstStyle/>
-            <a:p>
-              <a:pPr algn="ctr"/>
-              <a:r>
-                <a:rPr lang="en-US" b="1" dirty="0" smtClean="0"/>
-                <a:t>SERVICES.MSC</a:t>
-              </a:r>
-              <a:endParaRPr lang="en-US" b="1" dirty="0"/>
-            </a:p>
-          </p:txBody>
-        </p:sp>
         <p:pic>
           <p:nvPicPr>
-            <p:cNvPr id="1026" name="Picture 2" descr="C:\Users\Pedro\Desktop\U_Root\0_linux_home\git\smi_counter\dell_services.jpg"/>
+            <p:cNvPr id="2" name="Picture 2" descr="C:\Users\Pedro\Desktop\U_Root\0_linux_home\git\smi_counter\pics\dell_what_is_installed - after.JPG"/>
             <p:cNvPicPr>
               <a:picLocks noChangeAspect="1" noChangeArrowheads="1"/>
             </p:cNvPicPr>
             <p:nvPr/>
           </p:nvPicPr>
           <p:blipFill rotWithShape="1">
-            <a:blip r:embed="rId4">
+            <a:blip r:embed="rId5">
               <a:extLst>
                 <a:ext uri="{28A0092B-C50C-407E-A947-70E740481C1C}">
                   <a14:useLocalDpi xmlns:a14="http://schemas.microsoft.com/office/drawing/2010/main" val="0"/>
                 </a:ext>
               </a:extLst>
             </a:blip>
-            <a:srcRect t="-11202" r="2149" b="-12523"/>
+            <a:srcRect l="-466" t="2" b="-273"/>
             <a:stretch/>
           </p:blipFill>
           <p:spPr bwMode="auto">
             <a:xfrm>
-              <a:off x="2116635" y="828675"/>
-              <a:ext cx="6764238" cy="1447800"/>
+              <a:off x="2123728" y="2766811"/>
+              <a:ext cx="2513187" cy="3686526"/>
             </a:xfrm>
             <a:prstGeom prst="rect">
               <a:avLst/>
@@ -5600,13 +5962,13 @@
         </p:pic>
         <p:sp>
           <p:nvSpPr>
-            <p:cNvPr id="21" name="Left Arrow 20"/>
+            <p:cNvPr id="18" name="Left Arrow 17"/>
             <p:cNvSpPr/>
             <p:nvPr/>
           </p:nvSpPr>
           <p:spPr>
             <a:xfrm>
-              <a:off x="8316414" y="1852478"/>
+              <a:off x="3101900" y="6093296"/>
               <a:ext cx="310117" cy="265815"/>
             </a:xfrm>
             <a:prstGeom prst="leftArrow">
@@ -5648,13 +6010,109 @@
         </p:sp>
         <p:sp>
           <p:nvSpPr>
-            <p:cNvPr id="22" name="Left Arrow 21"/>
+            <p:cNvPr id="20" name="Left Arrow 19"/>
             <p:cNvSpPr/>
             <p:nvPr/>
           </p:nvSpPr>
           <p:spPr>
             <a:xfrm>
-              <a:off x="3491880" y="1864115"/>
+              <a:off x="4067944" y="5733256"/>
+              <a:ext cx="310117" cy="265815"/>
+            </a:xfrm>
+            <a:prstGeom prst="leftArrow">
+              <a:avLst/>
+            </a:prstGeom>
+            <a:solidFill>
+              <a:schemeClr val="bg1"/>
+            </a:solidFill>
+            <a:ln>
+              <a:solidFill>
+                <a:srgbClr val="C00000"/>
+              </a:solidFill>
+            </a:ln>
+          </p:spPr>
+          <p:style>
+            <a:lnRef idx="2">
+              <a:schemeClr val="accent1">
+                <a:shade val="50000"/>
+              </a:schemeClr>
+            </a:lnRef>
+            <a:fillRef idx="1">
+              <a:schemeClr val="accent1"/>
+            </a:fillRef>
+            <a:effectRef idx="0">
+              <a:schemeClr val="accent1"/>
+            </a:effectRef>
+            <a:fontRef idx="minor">
+              <a:schemeClr val="lt1"/>
+            </a:fontRef>
+          </p:style>
+          <p:txBody>
+            <a:bodyPr rtlCol="0" anchor="ctr"/>
+            <a:lstStyle/>
+            <a:p>
+              <a:pPr algn="ctr"/>
+              <a:endParaRPr lang="en-US" sz="1200"/>
+            </a:p>
+          </p:txBody>
+        </p:sp>
+        <p:sp>
+          <p:nvSpPr>
+            <p:cNvPr id="24" name="Left Arrow 23"/>
+            <p:cNvSpPr/>
+            <p:nvPr/>
+          </p:nvSpPr>
+          <p:spPr>
+            <a:xfrm>
+              <a:off x="3757827" y="5083419"/>
+              <a:ext cx="310117" cy="265815"/>
+            </a:xfrm>
+            <a:prstGeom prst="leftArrow">
+              <a:avLst/>
+            </a:prstGeom>
+            <a:solidFill>
+              <a:schemeClr val="bg1"/>
+            </a:solidFill>
+            <a:ln>
+              <a:solidFill>
+                <a:srgbClr val="C00000"/>
+              </a:solidFill>
+            </a:ln>
+          </p:spPr>
+          <p:style>
+            <a:lnRef idx="2">
+              <a:schemeClr val="accent1">
+                <a:shade val="50000"/>
+              </a:schemeClr>
+            </a:lnRef>
+            <a:fillRef idx="1">
+              <a:schemeClr val="accent1"/>
+            </a:fillRef>
+            <a:effectRef idx="0">
+              <a:schemeClr val="accent1"/>
+            </a:effectRef>
+            <a:fontRef idx="minor">
+              <a:schemeClr val="lt1"/>
+            </a:fontRef>
+          </p:style>
+          <p:txBody>
+            <a:bodyPr rtlCol="0" anchor="ctr"/>
+            <a:lstStyle/>
+            <a:p>
+              <a:pPr algn="ctr"/>
+              <a:endParaRPr lang="en-US" sz="1200"/>
+            </a:p>
+          </p:txBody>
+        </p:sp>
+        <p:sp>
+          <p:nvSpPr>
+            <p:cNvPr id="26" name="Left Arrow 25"/>
+            <p:cNvSpPr/>
+            <p:nvPr/>
+          </p:nvSpPr>
+          <p:spPr>
+            <a:xfrm>
+              <a:off x="3275855" y="4767121"/>
               <a:ext cx="310117" cy="265815"/>
             </a:xfrm>
             <a:prstGeom prst="leftArrow">
@@ -5696,14 +6154,14 @@
         </p:sp>
         <p:cxnSp>
           <p:nvCxnSpPr>
-            <p:cNvPr id="3" name="Straight Connector 2"/>
+            <p:cNvPr id="29" name="Straight Connector 28"/>
             <p:cNvCxnSpPr/>
             <p:nvPr/>
           </p:nvCxnSpPr>
           <p:spPr>
             <a:xfrm>
-              <a:off x="2177734" y="1985386"/>
-              <a:ext cx="900100" cy="0"/>
+              <a:off x="2451244" y="6229939"/>
+              <a:ext cx="536580" cy="0"/>
             </a:xfrm>
             <a:prstGeom prst="line">
               <a:avLst/>
@@ -5731,14 +6189,14 @@
         </p:cxnSp>
         <p:cxnSp>
           <p:nvCxnSpPr>
-            <p:cNvPr id="23" name="Straight Connector 22"/>
+            <p:cNvPr id="30" name="Straight Connector 29"/>
             <p:cNvCxnSpPr/>
             <p:nvPr/>
           </p:nvCxnSpPr>
           <p:spPr>
             <a:xfrm>
-              <a:off x="2177734" y="2121416"/>
-              <a:ext cx="1253180" cy="0"/>
+              <a:off x="2947566" y="5923880"/>
+              <a:ext cx="544314" cy="0"/>
             </a:xfrm>
             <a:prstGeom prst="line">
               <a:avLst/>
@@ -5766,14 +6224,14 @@
         </p:cxnSp>
         <p:cxnSp>
           <p:nvCxnSpPr>
-            <p:cNvPr id="25" name="Straight Connector 24"/>
+            <p:cNvPr id="31" name="Straight Connector 30"/>
             <p:cNvCxnSpPr/>
             <p:nvPr/>
           </p:nvCxnSpPr>
           <p:spPr>
             <a:xfrm>
-              <a:off x="7884368" y="1984808"/>
-              <a:ext cx="324036" cy="0"/>
+              <a:off x="2618259" y="5263108"/>
+              <a:ext cx="483641" cy="0"/>
             </a:xfrm>
             <a:prstGeom prst="line">
               <a:avLst/>
@@ -5801,14 +6259,14 @@
         </p:cxnSp>
         <p:cxnSp>
           <p:nvCxnSpPr>
-            <p:cNvPr id="27" name="Straight Connector 26"/>
+            <p:cNvPr id="32" name="Straight Connector 31"/>
             <p:cNvCxnSpPr/>
             <p:nvPr/>
           </p:nvCxnSpPr>
           <p:spPr>
             <a:xfrm>
-              <a:off x="7884368" y="2117138"/>
-              <a:ext cx="324036" cy="0"/>
+              <a:off x="2627784" y="4941168"/>
+              <a:ext cx="504056" cy="0"/>
             </a:xfrm>
             <a:prstGeom prst="line">
               <a:avLst/>
@@ -5835,6 +6293,107 @@
           </p:style>
         </p:cxnSp>
       </p:grpSp>
+      <p:cxnSp>
+        <p:nvCxnSpPr>
+          <p:cNvPr id="33" name="Straight Connector 32"/>
+          <p:cNvCxnSpPr/>
+          <p:nvPr/>
+        </p:nvCxnSpPr>
+        <p:spPr>
+          <a:xfrm>
+            <a:off x="432383" y="6757001"/>
+            <a:ext cx="8478020" cy="0"/>
+          </a:xfrm>
+          <a:prstGeom prst="line">
+            <a:avLst/>
+          </a:prstGeom>
+          <a:ln w="19050"/>
+        </p:spPr>
+        <p:style>
+          <a:lnRef idx="1">
+            <a:schemeClr val="accent1"/>
+          </a:lnRef>
+          <a:fillRef idx="0">
+            <a:schemeClr val="accent1"/>
+          </a:fillRef>
+          <a:effectRef idx="0">
+            <a:schemeClr val="accent1"/>
+          </a:effectRef>
+          <a:fontRef idx="minor">
+            <a:schemeClr val="tx1"/>
+          </a:fontRef>
+        </p:style>
+      </p:cxnSp>
+      <p:cxnSp>
+        <p:nvCxnSpPr>
+          <p:cNvPr id="35" name="Straight Connector 34"/>
+          <p:cNvCxnSpPr/>
+          <p:nvPr/>
+        </p:nvCxnSpPr>
+        <p:spPr>
+          <a:xfrm>
+            <a:off x="2201800" y="1306617"/>
+            <a:ext cx="930040" cy="0"/>
+          </a:xfrm>
+          <a:prstGeom prst="line">
+            <a:avLst/>
+          </a:prstGeom>
+          <a:ln>
+            <a:solidFill>
+              <a:srgbClr val="C00000"/>
+            </a:solidFill>
+          </a:ln>
+        </p:spPr>
+        <p:style>
+          <a:lnRef idx="1">
+            <a:schemeClr val="accent1"/>
+          </a:lnRef>
+          <a:fillRef idx="0">
+            <a:schemeClr val="accent1"/>
+          </a:fillRef>
+          <a:effectRef idx="0">
+            <a:schemeClr val="accent1"/>
+          </a:effectRef>
+          <a:fontRef idx="minor">
+            <a:schemeClr val="tx1"/>
+          </a:fontRef>
+        </p:style>
+      </p:cxnSp>
+      <p:cxnSp>
+        <p:nvCxnSpPr>
+          <p:cNvPr id="36" name="Straight Connector 35"/>
+          <p:cNvCxnSpPr/>
+          <p:nvPr/>
+        </p:nvCxnSpPr>
+        <p:spPr>
+          <a:xfrm>
+            <a:off x="7884368" y="1307670"/>
+            <a:ext cx="324036" cy="0"/>
+          </a:xfrm>
+          <a:prstGeom prst="line">
+            <a:avLst/>
+          </a:prstGeom>
+          <a:ln>
+            <a:solidFill>
+              <a:srgbClr val="C00000"/>
+            </a:solidFill>
+          </a:ln>
+        </p:spPr>
+        <p:style>
+          <a:lnRef idx="1">
+            <a:schemeClr val="accent1"/>
+          </a:lnRef>
+          <a:fillRef idx="0">
+            <a:schemeClr val="accent1"/>
+          </a:fillRef>
+          <a:effectRef idx="0">
+            <a:schemeClr val="accent1"/>
+          </a:effectRef>
+          <a:fontRef idx="minor">
+            <a:schemeClr val="tx1"/>
+          </a:fontRef>
+        </p:style>
+      </p:cxnSp>
     </p:spTree>
     <p:extLst>
       <p:ext uri="{BB962C8B-B14F-4D97-AF65-F5344CB8AC3E}">

--- a/src/dell_smi_latency_problems v2.pptx
+++ b/src/dell_smi_latency_problems v2.pptx
@@ -6394,6 +6394,76 @@
           </a:fontRef>
         </p:style>
       </p:cxnSp>
+      <p:cxnSp>
+        <p:nvCxnSpPr>
+          <p:cNvPr id="5" name="Straight Connector 4"/>
+          <p:cNvCxnSpPr/>
+          <p:nvPr/>
+        </p:nvCxnSpPr>
+        <p:spPr>
+          <a:xfrm flipV="1">
+            <a:off x="1619672" y="269227"/>
+            <a:ext cx="7290731" cy="1838072"/>
+          </a:xfrm>
+          <a:prstGeom prst="line">
+            <a:avLst/>
+          </a:prstGeom>
+          <a:ln w="28575">
+            <a:solidFill>
+              <a:srgbClr val="C00000"/>
+            </a:solidFill>
+          </a:ln>
+        </p:spPr>
+        <p:style>
+          <a:lnRef idx="1">
+            <a:schemeClr val="accent1"/>
+          </a:lnRef>
+          <a:fillRef idx="0">
+            <a:schemeClr val="accent1"/>
+          </a:fillRef>
+          <a:effectRef idx="0">
+            <a:schemeClr val="accent1"/>
+          </a:effectRef>
+          <a:fontRef idx="minor">
+            <a:schemeClr val="tx1"/>
+          </a:fontRef>
+        </p:style>
+      </p:cxnSp>
+      <p:cxnSp>
+        <p:nvCxnSpPr>
+          <p:cNvPr id="34" name="Straight Connector 33"/>
+          <p:cNvCxnSpPr/>
+          <p:nvPr/>
+        </p:nvCxnSpPr>
+        <p:spPr>
+          <a:xfrm>
+            <a:off x="1763688" y="269227"/>
+            <a:ext cx="7233176" cy="1838072"/>
+          </a:xfrm>
+          <a:prstGeom prst="line">
+            <a:avLst/>
+          </a:prstGeom>
+          <a:ln w="28575">
+            <a:solidFill>
+              <a:srgbClr val="C00000"/>
+            </a:solidFill>
+          </a:ln>
+        </p:spPr>
+        <p:style>
+          <a:lnRef idx="1">
+            <a:schemeClr val="accent1"/>
+          </a:lnRef>
+          <a:fillRef idx="0">
+            <a:schemeClr val="accent1"/>
+          </a:fillRef>
+          <a:effectRef idx="0">
+            <a:schemeClr val="accent1"/>
+          </a:effectRef>
+          <a:fontRef idx="minor">
+            <a:schemeClr val="tx1"/>
+          </a:fontRef>
+        </p:style>
+      </p:cxnSp>
     </p:spTree>
     <p:extLst>
       <p:ext uri="{BB962C8B-B14F-4D97-AF65-F5344CB8AC3E}">

--- a/src/dell_smi_latency_problems v2.pptx
+++ b/src/dell_smi_latency_problems v2.pptx
@@ -294,7 +294,7 @@
           <a:p>
             <a:fld id="{1C270875-E729-438F-AD64-DA10B3256A5A}" type="datetimeFigureOut">
               <a:rPr lang="pt-PT" smtClean="0"/>
-              <a:t>19/03/2020</a:t>
+              <a:t>09/04/2020</a:t>
             </a:fld>
             <a:endParaRPr lang="pt-PT"/>
           </a:p>
@@ -459,7 +459,7 @@
           <a:p>
             <a:fld id="{1C270875-E729-438F-AD64-DA10B3256A5A}" type="datetimeFigureOut">
               <a:rPr lang="pt-PT" smtClean="0"/>
-              <a:t>19/03/2020</a:t>
+              <a:t>09/04/2020</a:t>
             </a:fld>
             <a:endParaRPr lang="pt-PT"/>
           </a:p>
@@ -634,7 +634,7 @@
           <a:p>
             <a:fld id="{1C270875-E729-438F-AD64-DA10B3256A5A}" type="datetimeFigureOut">
               <a:rPr lang="pt-PT" smtClean="0"/>
-              <a:t>19/03/2020</a:t>
+              <a:t>09/04/2020</a:t>
             </a:fld>
             <a:endParaRPr lang="pt-PT"/>
           </a:p>
@@ -799,7 +799,7 @@
           <a:p>
             <a:fld id="{1C270875-E729-438F-AD64-DA10B3256A5A}" type="datetimeFigureOut">
               <a:rPr lang="pt-PT" smtClean="0"/>
-              <a:t>19/03/2020</a:t>
+              <a:t>09/04/2020</a:t>
             </a:fld>
             <a:endParaRPr lang="pt-PT"/>
           </a:p>
@@ -1040,7 +1040,7 @@
           <a:p>
             <a:fld id="{1C270875-E729-438F-AD64-DA10B3256A5A}" type="datetimeFigureOut">
               <a:rPr lang="pt-PT" smtClean="0"/>
-              <a:t>19/03/2020</a:t>
+              <a:t>09/04/2020</a:t>
             </a:fld>
             <a:endParaRPr lang="pt-PT"/>
           </a:p>
@@ -1323,7 +1323,7 @@
           <a:p>
             <a:fld id="{1C270875-E729-438F-AD64-DA10B3256A5A}" type="datetimeFigureOut">
               <a:rPr lang="pt-PT" smtClean="0"/>
-              <a:t>19/03/2020</a:t>
+              <a:t>09/04/2020</a:t>
             </a:fld>
             <a:endParaRPr lang="pt-PT"/>
           </a:p>
@@ -1740,7 +1740,7 @@
           <a:p>
             <a:fld id="{1C270875-E729-438F-AD64-DA10B3256A5A}" type="datetimeFigureOut">
               <a:rPr lang="pt-PT" smtClean="0"/>
-              <a:t>19/03/2020</a:t>
+              <a:t>09/04/2020</a:t>
             </a:fld>
             <a:endParaRPr lang="pt-PT"/>
           </a:p>
@@ -1853,7 +1853,7 @@
           <a:p>
             <a:fld id="{1C270875-E729-438F-AD64-DA10B3256A5A}" type="datetimeFigureOut">
               <a:rPr lang="pt-PT" smtClean="0"/>
-              <a:t>19/03/2020</a:t>
+              <a:t>09/04/2020</a:t>
             </a:fld>
             <a:endParaRPr lang="pt-PT"/>
           </a:p>
@@ -1943,7 +1943,7 @@
           <a:p>
             <a:fld id="{1C270875-E729-438F-AD64-DA10B3256A5A}" type="datetimeFigureOut">
               <a:rPr lang="pt-PT" smtClean="0"/>
-              <a:t>19/03/2020</a:t>
+              <a:t>09/04/2020</a:t>
             </a:fld>
             <a:endParaRPr lang="pt-PT"/>
           </a:p>
@@ -2215,7 +2215,7 @@
           <a:p>
             <a:fld id="{1C270875-E729-438F-AD64-DA10B3256A5A}" type="datetimeFigureOut">
               <a:rPr lang="pt-PT" smtClean="0"/>
-              <a:t>19/03/2020</a:t>
+              <a:t>09/04/2020</a:t>
             </a:fld>
             <a:endParaRPr lang="pt-PT"/>
           </a:p>
@@ -2463,7 +2463,7 @@
           <a:p>
             <a:fld id="{1C270875-E729-438F-AD64-DA10B3256A5A}" type="datetimeFigureOut">
               <a:rPr lang="pt-PT" smtClean="0"/>
-              <a:t>19/03/2020</a:t>
+              <a:t>09/04/2020</a:t>
             </a:fld>
             <a:endParaRPr lang="pt-PT"/>
           </a:p>
@@ -2671,7 +2671,7 @@
           <a:p>
             <a:fld id="{1C270875-E729-438F-AD64-DA10B3256A5A}" type="datetimeFigureOut">
               <a:rPr lang="pt-PT" smtClean="0"/>
-              <a:t>19/03/2020</a:t>
+              <a:t>09/04/2020</a:t>
             </a:fld>
             <a:endParaRPr lang="pt-PT"/>
           </a:p>
@@ -5427,401 +5427,6 @@
       </p:cxnSp>
       <p:sp>
         <p:nvSpPr>
-          <p:cNvPr id="15" name="TextBox 14"/>
-          <p:cNvSpPr txBox="1"/>
-          <p:nvPr/>
-        </p:nvSpPr>
-        <p:spPr>
-          <a:xfrm>
-            <a:off x="2116635" y="1997419"/>
-            <a:ext cx="5040560" cy="461665"/>
-          </a:xfrm>
-          <a:prstGeom prst="rect">
-            <a:avLst/>
-          </a:prstGeom>
-          <a:noFill/>
-        </p:spPr>
-        <p:txBody>
-          <a:bodyPr wrap="square" rtlCol="0">
-            <a:spAutoFit/>
-          </a:bodyPr>
-          <a:lstStyle/>
-          <a:p>
-            <a:r>
-              <a:rPr lang="en-US" sz="1200" i="1" dirty="0">
-                <a:hlinkClick r:id="rId2"/>
-              </a:rPr>
-              <a:t>https://</a:t>
-            </a:r>
-            <a:r>
-              <a:rPr lang="en-US" sz="1200" i="1" dirty="0" smtClean="0">
-                <a:hlinkClick r:id="rId2"/>
-              </a:rPr>
-              <a:t>en.wikipedia.org/wiki/System_Management_Mode</a:t>
-            </a:r>
-            <a:endParaRPr lang="en-US" sz="1200" i="1" dirty="0" smtClean="0"/>
-          </a:p>
-          <a:p>
-            <a:r>
-              <a:rPr lang="en-US" sz="1200" i="1" dirty="0">
-                <a:hlinkClick r:id="rId3"/>
-              </a:rPr>
-              <a:t>https://</a:t>
-            </a:r>
-            <a:r>
-              <a:rPr lang="en-US" sz="1200" i="1" dirty="0" smtClean="0">
-                <a:hlinkClick r:id="rId3"/>
-              </a:rPr>
-              <a:t>github.com/pestrela/smi_counter</a:t>
-            </a:r>
-            <a:endParaRPr lang="en-US" sz="1200" dirty="0"/>
-          </a:p>
-        </p:txBody>
-      </p:sp>
-      <p:cxnSp>
-        <p:nvCxnSpPr>
-          <p:cNvPr id="19" name="Straight Connector 18"/>
-          <p:cNvCxnSpPr/>
-          <p:nvPr/>
-        </p:nvCxnSpPr>
-        <p:spPr>
-          <a:xfrm>
-            <a:off x="518844" y="116632"/>
-            <a:ext cx="8478020" cy="0"/>
-          </a:xfrm>
-          <a:prstGeom prst="line">
-            <a:avLst/>
-          </a:prstGeom>
-          <a:ln w="19050"/>
-        </p:spPr>
-        <p:style>
-          <a:lnRef idx="1">
-            <a:schemeClr val="accent1"/>
-          </a:lnRef>
-          <a:fillRef idx="0">
-            <a:schemeClr val="accent1"/>
-          </a:fillRef>
-          <a:effectRef idx="0">
-            <a:schemeClr val="accent1"/>
-          </a:effectRef>
-          <a:fontRef idx="minor">
-            <a:schemeClr val="tx1"/>
-          </a:fontRef>
-        </p:style>
-      </p:cxnSp>
-      <p:sp>
-        <p:nvSpPr>
-          <p:cNvPr id="10" name="TextBox 9"/>
-          <p:cNvSpPr txBox="1"/>
-          <p:nvPr/>
-        </p:nvSpPr>
-        <p:spPr>
-          <a:xfrm>
-            <a:off x="432383" y="800734"/>
-            <a:ext cx="1564594" cy="369332"/>
-          </a:xfrm>
-          <a:prstGeom prst="rect">
-            <a:avLst/>
-          </a:prstGeom>
-          <a:noFill/>
-        </p:spPr>
-        <p:txBody>
-          <a:bodyPr wrap="none" rtlCol="0">
-            <a:spAutoFit/>
-          </a:bodyPr>
-          <a:lstStyle/>
-          <a:p>
-            <a:pPr algn="ctr"/>
-            <a:r>
-              <a:rPr lang="en-US" b="1" dirty="0" smtClean="0"/>
-              <a:t>SERVICES.MSC</a:t>
-            </a:r>
-            <a:endParaRPr lang="en-US" b="1" dirty="0"/>
-          </a:p>
-        </p:txBody>
-      </p:sp>
-      <p:pic>
-        <p:nvPicPr>
-          <p:cNvPr id="1026" name="Picture 2" descr="C:\Users\Pedro\Desktop\U_Root\0_linux_home\git\smi_counter\dell_services.jpg"/>
-          <p:cNvPicPr>
-            <a:picLocks noChangeAspect="1" noChangeArrowheads="1"/>
-          </p:cNvPicPr>
-          <p:nvPr/>
-        </p:nvPicPr>
-        <p:blipFill rotWithShape="1">
-          <a:blip r:embed="rId4">
-            <a:extLst>
-              <a:ext uri="{28A0092B-C50C-407E-A947-70E740481C1C}">
-                <a14:useLocalDpi xmlns:a14="http://schemas.microsoft.com/office/drawing/2010/main" val="0"/>
-              </a:ext>
-            </a:extLst>
-          </a:blip>
-          <a:srcRect t="-11202" r="2149" b="-12523"/>
-          <a:stretch/>
-        </p:blipFill>
-        <p:spPr bwMode="auto">
-          <a:xfrm>
-            <a:off x="2116635" y="269227"/>
-            <a:ext cx="6764238" cy="1447800"/>
-          </a:xfrm>
-          <a:prstGeom prst="rect">
-            <a:avLst/>
-          </a:prstGeom>
-          <a:noFill/>
-          <a:ln>
-            <a:solidFill>
-              <a:schemeClr val="accent1"/>
-            </a:solidFill>
-          </a:ln>
-          <a:extLst>
-            <a:ext uri="{909E8E84-426E-40DD-AFC4-6F175D3DCCD1}">
-              <a14:hiddenFill xmlns:a14="http://schemas.microsoft.com/office/drawing/2010/main">
-                <a:solidFill>
-                  <a:srgbClr val="FFFFFF"/>
-                </a:solidFill>
-              </a14:hiddenFill>
-            </a:ext>
-          </a:extLst>
-        </p:spPr>
-      </p:pic>
-      <p:sp>
-        <p:nvSpPr>
-          <p:cNvPr id="21" name="Left Arrow 20"/>
-          <p:cNvSpPr/>
-          <p:nvPr/>
-        </p:nvSpPr>
-        <p:spPr>
-          <a:xfrm>
-            <a:off x="8316414" y="1293030"/>
-            <a:ext cx="310117" cy="265815"/>
-          </a:xfrm>
-          <a:prstGeom prst="leftArrow">
-            <a:avLst/>
-          </a:prstGeom>
-          <a:solidFill>
-            <a:schemeClr val="bg1"/>
-          </a:solidFill>
-          <a:ln>
-            <a:solidFill>
-              <a:srgbClr val="C00000"/>
-            </a:solidFill>
-          </a:ln>
-        </p:spPr>
-        <p:style>
-          <a:lnRef idx="2">
-            <a:schemeClr val="accent1">
-              <a:shade val="50000"/>
-            </a:schemeClr>
-          </a:lnRef>
-          <a:fillRef idx="1">
-            <a:schemeClr val="accent1"/>
-          </a:fillRef>
-          <a:effectRef idx="0">
-            <a:schemeClr val="accent1"/>
-          </a:effectRef>
-          <a:fontRef idx="minor">
-            <a:schemeClr val="lt1"/>
-          </a:fontRef>
-        </p:style>
-        <p:txBody>
-          <a:bodyPr rtlCol="0" anchor="ctr"/>
-          <a:lstStyle/>
-          <a:p>
-            <a:pPr algn="ctr"/>
-            <a:endParaRPr lang="en-US" sz="1200"/>
-          </a:p>
-        </p:txBody>
-      </p:sp>
-      <p:sp>
-        <p:nvSpPr>
-          <p:cNvPr id="22" name="Left Arrow 21"/>
-          <p:cNvSpPr/>
-          <p:nvPr/>
-        </p:nvSpPr>
-        <p:spPr>
-          <a:xfrm>
-            <a:off x="3491880" y="1304667"/>
-            <a:ext cx="310117" cy="265815"/>
-          </a:xfrm>
-          <a:prstGeom prst="leftArrow">
-            <a:avLst/>
-          </a:prstGeom>
-          <a:solidFill>
-            <a:schemeClr val="bg1"/>
-          </a:solidFill>
-          <a:ln>
-            <a:solidFill>
-              <a:srgbClr val="C00000"/>
-            </a:solidFill>
-          </a:ln>
-        </p:spPr>
-        <p:style>
-          <a:lnRef idx="2">
-            <a:schemeClr val="accent1">
-              <a:shade val="50000"/>
-            </a:schemeClr>
-          </a:lnRef>
-          <a:fillRef idx="1">
-            <a:schemeClr val="accent1"/>
-          </a:fillRef>
-          <a:effectRef idx="0">
-            <a:schemeClr val="accent1"/>
-          </a:effectRef>
-          <a:fontRef idx="minor">
-            <a:schemeClr val="lt1"/>
-          </a:fontRef>
-        </p:style>
-        <p:txBody>
-          <a:bodyPr rtlCol="0" anchor="ctr"/>
-          <a:lstStyle/>
-          <a:p>
-            <a:pPr algn="ctr"/>
-            <a:endParaRPr lang="en-US" sz="1200"/>
-          </a:p>
-        </p:txBody>
-      </p:sp>
-      <p:cxnSp>
-        <p:nvCxnSpPr>
-          <p:cNvPr id="3" name="Straight Connector 2"/>
-          <p:cNvCxnSpPr/>
-          <p:nvPr/>
-        </p:nvCxnSpPr>
-        <p:spPr>
-          <a:xfrm>
-            <a:off x="2177734" y="1425938"/>
-            <a:ext cx="900100" cy="0"/>
-          </a:xfrm>
-          <a:prstGeom prst="line">
-            <a:avLst/>
-          </a:prstGeom>
-          <a:ln>
-            <a:solidFill>
-              <a:srgbClr val="C00000"/>
-            </a:solidFill>
-          </a:ln>
-        </p:spPr>
-        <p:style>
-          <a:lnRef idx="1">
-            <a:schemeClr val="accent1"/>
-          </a:lnRef>
-          <a:fillRef idx="0">
-            <a:schemeClr val="accent1"/>
-          </a:fillRef>
-          <a:effectRef idx="0">
-            <a:schemeClr val="accent1"/>
-          </a:effectRef>
-          <a:fontRef idx="minor">
-            <a:schemeClr val="tx1"/>
-          </a:fontRef>
-        </p:style>
-      </p:cxnSp>
-      <p:cxnSp>
-        <p:nvCxnSpPr>
-          <p:cNvPr id="23" name="Straight Connector 22"/>
-          <p:cNvCxnSpPr/>
-          <p:nvPr/>
-        </p:nvCxnSpPr>
-        <p:spPr>
-          <a:xfrm>
-            <a:off x="2177734" y="1561968"/>
-            <a:ext cx="1253180" cy="0"/>
-          </a:xfrm>
-          <a:prstGeom prst="line">
-            <a:avLst/>
-          </a:prstGeom>
-          <a:ln>
-            <a:solidFill>
-              <a:srgbClr val="C00000"/>
-            </a:solidFill>
-          </a:ln>
-        </p:spPr>
-        <p:style>
-          <a:lnRef idx="1">
-            <a:schemeClr val="accent1"/>
-          </a:lnRef>
-          <a:fillRef idx="0">
-            <a:schemeClr val="accent1"/>
-          </a:fillRef>
-          <a:effectRef idx="0">
-            <a:schemeClr val="accent1"/>
-          </a:effectRef>
-          <a:fontRef idx="minor">
-            <a:schemeClr val="tx1"/>
-          </a:fontRef>
-        </p:style>
-      </p:cxnSp>
-      <p:cxnSp>
-        <p:nvCxnSpPr>
-          <p:cNvPr id="25" name="Straight Connector 24"/>
-          <p:cNvCxnSpPr/>
-          <p:nvPr/>
-        </p:nvCxnSpPr>
-        <p:spPr>
-          <a:xfrm>
-            <a:off x="7884368" y="1425360"/>
-            <a:ext cx="324036" cy="0"/>
-          </a:xfrm>
-          <a:prstGeom prst="line">
-            <a:avLst/>
-          </a:prstGeom>
-          <a:ln>
-            <a:solidFill>
-              <a:srgbClr val="C00000"/>
-            </a:solidFill>
-          </a:ln>
-        </p:spPr>
-        <p:style>
-          <a:lnRef idx="1">
-            <a:schemeClr val="accent1"/>
-          </a:lnRef>
-          <a:fillRef idx="0">
-            <a:schemeClr val="accent1"/>
-          </a:fillRef>
-          <a:effectRef idx="0">
-            <a:schemeClr val="accent1"/>
-          </a:effectRef>
-          <a:fontRef idx="minor">
-            <a:schemeClr val="tx1"/>
-          </a:fontRef>
-        </p:style>
-      </p:cxnSp>
-      <p:cxnSp>
-        <p:nvCxnSpPr>
-          <p:cNvPr id="27" name="Straight Connector 26"/>
-          <p:cNvCxnSpPr/>
-          <p:nvPr/>
-        </p:nvCxnSpPr>
-        <p:spPr>
-          <a:xfrm>
-            <a:off x="7884368" y="1557690"/>
-            <a:ext cx="324036" cy="0"/>
-          </a:xfrm>
-          <a:prstGeom prst="line">
-            <a:avLst/>
-          </a:prstGeom>
-          <a:ln>
-            <a:solidFill>
-              <a:srgbClr val="C00000"/>
-            </a:solidFill>
-          </a:ln>
-        </p:spPr>
-        <p:style>
-          <a:lnRef idx="1">
-            <a:schemeClr val="accent1"/>
-          </a:lnRef>
-          <a:fillRef idx="0">
-            <a:schemeClr val="accent1"/>
-          </a:fillRef>
-          <a:effectRef idx="0">
-            <a:schemeClr val="accent1"/>
-          </a:effectRef>
-          <a:fontRef idx="minor">
-            <a:schemeClr val="tx1"/>
-          </a:fontRef>
-        </p:style>
-      </p:cxnSp>
-      <p:sp>
-        <p:nvSpPr>
           <p:cNvPr id="16" name="TextBox 15"/>
           <p:cNvSpPr txBox="1"/>
           <p:nvPr/>
@@ -5844,19 +5449,19 @@
           <a:p>
             <a:r>
               <a:rPr lang="en-US" sz="1200" i="1" dirty="0" smtClean="0">
-                <a:hlinkClick r:id="rId3"/>
+                <a:hlinkClick r:id="rId2"/>
               </a:rPr>
               <a:t>https</a:t>
             </a:r>
             <a:r>
               <a:rPr lang="en-US" sz="1200" i="1" dirty="0">
-                <a:hlinkClick r:id="rId3"/>
+                <a:hlinkClick r:id="rId2"/>
               </a:rPr>
               <a:t>://</a:t>
             </a:r>
             <a:r>
               <a:rPr lang="en-US" sz="1200" i="1" dirty="0" smtClean="0">
-                <a:hlinkClick r:id="rId3"/>
+                <a:hlinkClick r:id="rId2"/>
               </a:rPr>
               <a:t>github.com/pestrela/smi_counter</a:t>
             </a:r>
@@ -5872,8 +5477,8 @@
         </p:nvSpPr>
         <p:spPr>
           <a:xfrm>
-            <a:off x="492275" y="4680587"/>
-            <a:ext cx="1444819" cy="646331"/>
+            <a:off x="376058" y="4102198"/>
+            <a:ext cx="1677254" cy="923330"/>
           </a:xfrm>
           <a:prstGeom prst="rect">
             <a:avLst/>
@@ -5889,14 +5494,25 @@
             <a:pPr algn="ctr"/>
             <a:r>
               <a:rPr lang="en-US" b="1" dirty="0" smtClean="0"/>
-              <a:t>Add/Remove</a:t>
+              <a:t>Remove these</a:t>
+            </a:r>
+            <a:r>
+              <a:rPr lang="en-US" b="1" dirty="0" smtClean="0"/>
+              <a:t/>
             </a:r>
             <a:br>
               <a:rPr lang="en-US" b="1" dirty="0" smtClean="0"/>
             </a:br>
             <a:r>
               <a:rPr lang="en-US" b="1" dirty="0" smtClean="0"/>
-              <a:t>Programs</a:t>
+              <a:t>Programs </a:t>
+            </a:r>
+            <a:br>
+              <a:rPr lang="en-US" b="1" dirty="0" smtClean="0"/>
+            </a:br>
+            <a:r>
+              <a:rPr lang="en-US" b="1" dirty="0" smtClean="0"/>
+              <a:t>in Add/Remove</a:t>
             </a:r>
             <a:endParaRPr lang="en-US" b="1" dirty="0"/>
           </a:p>
@@ -5925,7 +5541,7 @@
             <p:nvPr/>
           </p:nvPicPr>
           <p:blipFill rotWithShape="1">
-            <a:blip r:embed="rId5">
+            <a:blip r:embed="rId3">
               <a:extLst>
                 <a:ext uri="{28A0092B-C50C-407E-A947-70E740481C1C}">
                   <a14:useLocalDpi xmlns:a14="http://schemas.microsoft.com/office/drawing/2010/main" val="0"/>
@@ -6324,146 +5940,6 @@
           </a:fontRef>
         </p:style>
       </p:cxnSp>
-      <p:cxnSp>
-        <p:nvCxnSpPr>
-          <p:cNvPr id="35" name="Straight Connector 34"/>
-          <p:cNvCxnSpPr/>
-          <p:nvPr/>
-        </p:nvCxnSpPr>
-        <p:spPr>
-          <a:xfrm>
-            <a:off x="2201800" y="1306617"/>
-            <a:ext cx="930040" cy="0"/>
-          </a:xfrm>
-          <a:prstGeom prst="line">
-            <a:avLst/>
-          </a:prstGeom>
-          <a:ln>
-            <a:solidFill>
-              <a:srgbClr val="C00000"/>
-            </a:solidFill>
-          </a:ln>
-        </p:spPr>
-        <p:style>
-          <a:lnRef idx="1">
-            <a:schemeClr val="accent1"/>
-          </a:lnRef>
-          <a:fillRef idx="0">
-            <a:schemeClr val="accent1"/>
-          </a:fillRef>
-          <a:effectRef idx="0">
-            <a:schemeClr val="accent1"/>
-          </a:effectRef>
-          <a:fontRef idx="minor">
-            <a:schemeClr val="tx1"/>
-          </a:fontRef>
-        </p:style>
-      </p:cxnSp>
-      <p:cxnSp>
-        <p:nvCxnSpPr>
-          <p:cNvPr id="36" name="Straight Connector 35"/>
-          <p:cNvCxnSpPr/>
-          <p:nvPr/>
-        </p:nvCxnSpPr>
-        <p:spPr>
-          <a:xfrm>
-            <a:off x="7884368" y="1307670"/>
-            <a:ext cx="324036" cy="0"/>
-          </a:xfrm>
-          <a:prstGeom prst="line">
-            <a:avLst/>
-          </a:prstGeom>
-          <a:ln>
-            <a:solidFill>
-              <a:srgbClr val="C00000"/>
-            </a:solidFill>
-          </a:ln>
-        </p:spPr>
-        <p:style>
-          <a:lnRef idx="1">
-            <a:schemeClr val="accent1"/>
-          </a:lnRef>
-          <a:fillRef idx="0">
-            <a:schemeClr val="accent1"/>
-          </a:fillRef>
-          <a:effectRef idx="0">
-            <a:schemeClr val="accent1"/>
-          </a:effectRef>
-          <a:fontRef idx="minor">
-            <a:schemeClr val="tx1"/>
-          </a:fontRef>
-        </p:style>
-      </p:cxnSp>
-      <p:cxnSp>
-        <p:nvCxnSpPr>
-          <p:cNvPr id="5" name="Straight Connector 4"/>
-          <p:cNvCxnSpPr/>
-          <p:nvPr/>
-        </p:nvCxnSpPr>
-        <p:spPr>
-          <a:xfrm flipV="1">
-            <a:off x="1619672" y="269227"/>
-            <a:ext cx="7290731" cy="1838072"/>
-          </a:xfrm>
-          <a:prstGeom prst="line">
-            <a:avLst/>
-          </a:prstGeom>
-          <a:ln w="28575">
-            <a:solidFill>
-              <a:srgbClr val="C00000"/>
-            </a:solidFill>
-          </a:ln>
-        </p:spPr>
-        <p:style>
-          <a:lnRef idx="1">
-            <a:schemeClr val="accent1"/>
-          </a:lnRef>
-          <a:fillRef idx="0">
-            <a:schemeClr val="accent1"/>
-          </a:fillRef>
-          <a:effectRef idx="0">
-            <a:schemeClr val="accent1"/>
-          </a:effectRef>
-          <a:fontRef idx="minor">
-            <a:schemeClr val="tx1"/>
-          </a:fontRef>
-        </p:style>
-      </p:cxnSp>
-      <p:cxnSp>
-        <p:nvCxnSpPr>
-          <p:cNvPr id="34" name="Straight Connector 33"/>
-          <p:cNvCxnSpPr/>
-          <p:nvPr/>
-        </p:nvCxnSpPr>
-        <p:spPr>
-          <a:xfrm>
-            <a:off x="1763688" y="269227"/>
-            <a:ext cx="7233176" cy="1838072"/>
-          </a:xfrm>
-          <a:prstGeom prst="line">
-            <a:avLst/>
-          </a:prstGeom>
-          <a:ln w="28575">
-            <a:solidFill>
-              <a:srgbClr val="C00000"/>
-            </a:solidFill>
-          </a:ln>
-        </p:spPr>
-        <p:style>
-          <a:lnRef idx="1">
-            <a:schemeClr val="accent1"/>
-          </a:lnRef>
-          <a:fillRef idx="0">
-            <a:schemeClr val="accent1"/>
-          </a:fillRef>
-          <a:effectRef idx="0">
-            <a:schemeClr val="accent1"/>
-          </a:effectRef>
-          <a:fontRef idx="minor">
-            <a:schemeClr val="tx1"/>
-          </a:fontRef>
-        </p:style>
-      </p:cxnSp>
     </p:spTree>
     <p:extLst>
       <p:ext uri="{BB962C8B-B14F-4D97-AF65-F5344CB8AC3E}">
@@ -6494,44 +5970,601 @@
           <a:chExt cx="0" cy="0"/>
         </a:xfrm>
       </p:grpSpPr>
-      <p:sp>
-        <p:nvSpPr>
-          <p:cNvPr id="2" name="Title 1"/>
-          <p:cNvSpPr>
-            <a:spLocks noGrp="1"/>
-          </p:cNvSpPr>
-          <p:nvPr>
-            <p:ph type="title"/>
-          </p:nvPr>
-        </p:nvSpPr>
-        <p:spPr/>
-        <p:txBody>
-          <a:bodyPr/>
-          <a:lstStyle/>
-          <a:p>
-            <a:endParaRPr lang="en-US"/>
-          </a:p>
-        </p:txBody>
-      </p:sp>
-      <p:sp>
-        <p:nvSpPr>
-          <p:cNvPr id="3" name="Content Placeholder 2"/>
-          <p:cNvSpPr>
-            <a:spLocks noGrp="1"/>
-          </p:cNvSpPr>
-          <p:nvPr>
-            <p:ph idx="1"/>
-          </p:nvPr>
-        </p:nvSpPr>
-        <p:spPr/>
-        <p:txBody>
-          <a:bodyPr/>
-          <a:lstStyle/>
-          <a:p>
-            <a:endParaRPr lang="en-US"/>
-          </a:p>
-        </p:txBody>
-      </p:sp>
+      <p:grpSp>
+        <p:nvGrpSpPr>
+          <p:cNvPr id="4" name="Group 3"/>
+          <p:cNvGrpSpPr/>
+          <p:nvPr/>
+        </p:nvGrpSpPr>
+        <p:grpSpPr>
+          <a:xfrm>
+            <a:off x="316392" y="288639"/>
+            <a:ext cx="8564481" cy="2342452"/>
+            <a:chOff x="432383" y="116632"/>
+            <a:chExt cx="8564481" cy="2342452"/>
+          </a:xfrm>
+        </p:grpSpPr>
+        <p:sp>
+          <p:nvSpPr>
+            <p:cNvPr id="5" name="TextBox 4"/>
+            <p:cNvSpPr txBox="1"/>
+            <p:nvPr/>
+          </p:nvSpPr>
+          <p:spPr>
+            <a:xfrm>
+              <a:off x="2116635" y="1997419"/>
+              <a:ext cx="5040560" cy="461665"/>
+            </a:xfrm>
+            <a:prstGeom prst="rect">
+              <a:avLst/>
+            </a:prstGeom>
+            <a:noFill/>
+          </p:spPr>
+          <p:txBody>
+            <a:bodyPr wrap="square" rtlCol="0">
+              <a:spAutoFit/>
+            </a:bodyPr>
+            <a:lstStyle/>
+            <a:p>
+              <a:r>
+                <a:rPr lang="en-US" sz="1200" i="1" dirty="0">
+                  <a:hlinkClick r:id="rId2"/>
+                </a:rPr>
+                <a:t>https://</a:t>
+              </a:r>
+              <a:r>
+                <a:rPr lang="en-US" sz="1200" i="1" dirty="0" smtClean="0">
+                  <a:hlinkClick r:id="rId2"/>
+                </a:rPr>
+                <a:t>en.wikipedia.org/wiki/System_Management_Mode</a:t>
+              </a:r>
+              <a:endParaRPr lang="en-US" sz="1200" i="1" dirty="0" smtClean="0"/>
+            </a:p>
+            <a:p>
+              <a:r>
+                <a:rPr lang="en-US" sz="1200" i="1" dirty="0">
+                  <a:hlinkClick r:id="rId3"/>
+                </a:rPr>
+                <a:t>https://</a:t>
+              </a:r>
+              <a:r>
+                <a:rPr lang="en-US" sz="1200" i="1" dirty="0" smtClean="0">
+                  <a:hlinkClick r:id="rId3"/>
+                </a:rPr>
+                <a:t>github.com/pestrela/smi_counter</a:t>
+              </a:r>
+              <a:endParaRPr lang="en-US" sz="1200" dirty="0"/>
+            </a:p>
+          </p:txBody>
+        </p:sp>
+        <p:cxnSp>
+          <p:nvCxnSpPr>
+            <p:cNvPr id="6" name="Straight Connector 5"/>
+            <p:cNvCxnSpPr/>
+            <p:nvPr/>
+          </p:nvCxnSpPr>
+          <p:spPr>
+            <a:xfrm>
+              <a:off x="518844" y="116632"/>
+              <a:ext cx="8478020" cy="0"/>
+            </a:xfrm>
+            <a:prstGeom prst="line">
+              <a:avLst/>
+            </a:prstGeom>
+            <a:ln w="19050"/>
+          </p:spPr>
+          <p:style>
+            <a:lnRef idx="1">
+              <a:schemeClr val="accent1"/>
+            </a:lnRef>
+            <a:fillRef idx="0">
+              <a:schemeClr val="accent1"/>
+            </a:fillRef>
+            <a:effectRef idx="0">
+              <a:schemeClr val="accent1"/>
+            </a:effectRef>
+            <a:fontRef idx="minor">
+              <a:schemeClr val="tx1"/>
+            </a:fontRef>
+          </p:style>
+        </p:cxnSp>
+        <p:sp>
+          <p:nvSpPr>
+            <p:cNvPr id="7" name="TextBox 6"/>
+            <p:cNvSpPr txBox="1"/>
+            <p:nvPr/>
+          </p:nvSpPr>
+          <p:spPr>
+            <a:xfrm>
+              <a:off x="432383" y="800734"/>
+              <a:ext cx="1564594" cy="369332"/>
+            </a:xfrm>
+            <a:prstGeom prst="rect">
+              <a:avLst/>
+            </a:prstGeom>
+            <a:noFill/>
+          </p:spPr>
+          <p:txBody>
+            <a:bodyPr wrap="none" rtlCol="0">
+              <a:spAutoFit/>
+            </a:bodyPr>
+            <a:lstStyle/>
+            <a:p>
+              <a:pPr algn="ctr"/>
+              <a:r>
+                <a:rPr lang="en-US" b="1" dirty="0" smtClean="0"/>
+                <a:t>SERVICES.MSC</a:t>
+              </a:r>
+              <a:endParaRPr lang="en-US" b="1" dirty="0"/>
+            </a:p>
+          </p:txBody>
+        </p:sp>
+        <p:grpSp>
+          <p:nvGrpSpPr>
+            <p:cNvPr id="8" name="Group 7"/>
+            <p:cNvGrpSpPr/>
+            <p:nvPr/>
+          </p:nvGrpSpPr>
+          <p:grpSpPr>
+            <a:xfrm>
+              <a:off x="1619672" y="269227"/>
+              <a:ext cx="7377192" cy="1838072"/>
+              <a:chOff x="1619672" y="269227"/>
+              <a:chExt cx="7377192" cy="1838072"/>
+            </a:xfrm>
+          </p:grpSpPr>
+          <p:grpSp>
+            <p:nvGrpSpPr>
+              <p:cNvPr id="9" name="Group 8"/>
+              <p:cNvGrpSpPr/>
+              <p:nvPr/>
+            </p:nvGrpSpPr>
+            <p:grpSpPr>
+              <a:xfrm>
+                <a:off x="2116635" y="269227"/>
+                <a:ext cx="6764238" cy="1447800"/>
+                <a:chOff x="2116635" y="269227"/>
+                <a:chExt cx="6764238" cy="1447800"/>
+              </a:xfrm>
+            </p:grpSpPr>
+            <p:pic>
+              <p:nvPicPr>
+                <p:cNvPr id="13" name="Picture 2" descr="C:\Users\Pedro\Desktop\U_Root\0_linux_home\git\smi_counter\dell_services.jpg"/>
+                <p:cNvPicPr>
+                  <a:picLocks noChangeAspect="1" noChangeArrowheads="1"/>
+                </p:cNvPicPr>
+                <p:nvPr/>
+              </p:nvPicPr>
+              <p:blipFill rotWithShape="1">
+                <a:blip r:embed="rId4">
+                  <a:extLst>
+                    <a:ext uri="{28A0092B-C50C-407E-A947-70E740481C1C}">
+                      <a14:useLocalDpi xmlns:a14="http://schemas.microsoft.com/office/drawing/2010/main" val="0"/>
+                    </a:ext>
+                  </a:extLst>
+                </a:blip>
+                <a:srcRect t="-11202" r="2149" b="-12523"/>
+                <a:stretch/>
+              </p:blipFill>
+              <p:spPr bwMode="auto">
+                <a:xfrm>
+                  <a:off x="2116635" y="269227"/>
+                  <a:ext cx="6764238" cy="1447800"/>
+                </a:xfrm>
+                <a:prstGeom prst="rect">
+                  <a:avLst/>
+                </a:prstGeom>
+                <a:noFill/>
+                <a:ln>
+                  <a:solidFill>
+                    <a:schemeClr val="accent1"/>
+                  </a:solidFill>
+                </a:ln>
+                <a:extLst>
+                  <a:ext uri="{909E8E84-426E-40DD-AFC4-6F175D3DCCD1}">
+                    <a14:hiddenFill xmlns:a14="http://schemas.microsoft.com/office/drawing/2010/main">
+                      <a:solidFill>
+                        <a:srgbClr val="FFFFFF"/>
+                      </a:solidFill>
+                    </a14:hiddenFill>
+                  </a:ext>
+                </a:extLst>
+              </p:spPr>
+            </p:pic>
+            <p:sp>
+              <p:nvSpPr>
+                <p:cNvPr id="14" name="Left Arrow 13"/>
+                <p:cNvSpPr/>
+                <p:nvPr/>
+              </p:nvSpPr>
+              <p:spPr>
+                <a:xfrm>
+                  <a:off x="8316414" y="1293030"/>
+                  <a:ext cx="310117" cy="265815"/>
+                </a:xfrm>
+                <a:prstGeom prst="leftArrow">
+                  <a:avLst/>
+                </a:prstGeom>
+                <a:solidFill>
+                  <a:schemeClr val="bg1"/>
+                </a:solidFill>
+                <a:ln>
+                  <a:solidFill>
+                    <a:srgbClr val="C00000"/>
+                  </a:solidFill>
+                </a:ln>
+              </p:spPr>
+              <p:style>
+                <a:lnRef idx="2">
+                  <a:schemeClr val="accent1">
+                    <a:shade val="50000"/>
+                  </a:schemeClr>
+                </a:lnRef>
+                <a:fillRef idx="1">
+                  <a:schemeClr val="accent1"/>
+                </a:fillRef>
+                <a:effectRef idx="0">
+                  <a:schemeClr val="accent1"/>
+                </a:effectRef>
+                <a:fontRef idx="minor">
+                  <a:schemeClr val="lt1"/>
+                </a:fontRef>
+              </p:style>
+              <p:txBody>
+                <a:bodyPr rtlCol="0" anchor="ctr"/>
+                <a:lstStyle/>
+                <a:p>
+                  <a:pPr algn="ctr"/>
+                  <a:endParaRPr lang="en-US" sz="1200"/>
+                </a:p>
+              </p:txBody>
+            </p:sp>
+            <p:sp>
+              <p:nvSpPr>
+                <p:cNvPr id="15" name="Left Arrow 14"/>
+                <p:cNvSpPr/>
+                <p:nvPr/>
+              </p:nvSpPr>
+              <p:spPr>
+                <a:xfrm>
+                  <a:off x="3491880" y="1304667"/>
+                  <a:ext cx="310117" cy="265815"/>
+                </a:xfrm>
+                <a:prstGeom prst="leftArrow">
+                  <a:avLst/>
+                </a:prstGeom>
+                <a:solidFill>
+                  <a:schemeClr val="bg1"/>
+                </a:solidFill>
+                <a:ln>
+                  <a:solidFill>
+                    <a:srgbClr val="C00000"/>
+                  </a:solidFill>
+                </a:ln>
+              </p:spPr>
+              <p:style>
+                <a:lnRef idx="2">
+                  <a:schemeClr val="accent1">
+                    <a:shade val="50000"/>
+                  </a:schemeClr>
+                </a:lnRef>
+                <a:fillRef idx="1">
+                  <a:schemeClr val="accent1"/>
+                </a:fillRef>
+                <a:effectRef idx="0">
+                  <a:schemeClr val="accent1"/>
+                </a:effectRef>
+                <a:fontRef idx="minor">
+                  <a:schemeClr val="lt1"/>
+                </a:fontRef>
+              </p:style>
+              <p:txBody>
+                <a:bodyPr rtlCol="0" anchor="ctr"/>
+                <a:lstStyle/>
+                <a:p>
+                  <a:pPr algn="ctr"/>
+                  <a:endParaRPr lang="en-US" sz="1200"/>
+                </a:p>
+              </p:txBody>
+            </p:sp>
+            <p:cxnSp>
+              <p:nvCxnSpPr>
+                <p:cNvPr id="16" name="Straight Connector 15"/>
+                <p:cNvCxnSpPr/>
+                <p:nvPr/>
+              </p:nvCxnSpPr>
+              <p:spPr>
+                <a:xfrm>
+                  <a:off x="2177734" y="1425938"/>
+                  <a:ext cx="900100" cy="0"/>
+                </a:xfrm>
+                <a:prstGeom prst="line">
+                  <a:avLst/>
+                </a:prstGeom>
+                <a:ln>
+                  <a:solidFill>
+                    <a:srgbClr val="C00000"/>
+                  </a:solidFill>
+                </a:ln>
+              </p:spPr>
+              <p:style>
+                <a:lnRef idx="1">
+                  <a:schemeClr val="accent1"/>
+                </a:lnRef>
+                <a:fillRef idx="0">
+                  <a:schemeClr val="accent1"/>
+                </a:fillRef>
+                <a:effectRef idx="0">
+                  <a:schemeClr val="accent1"/>
+                </a:effectRef>
+                <a:fontRef idx="minor">
+                  <a:schemeClr val="tx1"/>
+                </a:fontRef>
+              </p:style>
+            </p:cxnSp>
+            <p:cxnSp>
+              <p:nvCxnSpPr>
+                <p:cNvPr id="17" name="Straight Connector 16"/>
+                <p:cNvCxnSpPr/>
+                <p:nvPr/>
+              </p:nvCxnSpPr>
+              <p:spPr>
+                <a:xfrm>
+                  <a:off x="2177734" y="1561968"/>
+                  <a:ext cx="1253180" cy="0"/>
+                </a:xfrm>
+                <a:prstGeom prst="line">
+                  <a:avLst/>
+                </a:prstGeom>
+                <a:ln>
+                  <a:solidFill>
+                    <a:srgbClr val="C00000"/>
+                  </a:solidFill>
+                </a:ln>
+              </p:spPr>
+              <p:style>
+                <a:lnRef idx="1">
+                  <a:schemeClr val="accent1"/>
+                </a:lnRef>
+                <a:fillRef idx="0">
+                  <a:schemeClr val="accent1"/>
+                </a:fillRef>
+                <a:effectRef idx="0">
+                  <a:schemeClr val="accent1"/>
+                </a:effectRef>
+                <a:fontRef idx="minor">
+                  <a:schemeClr val="tx1"/>
+                </a:fontRef>
+              </p:style>
+            </p:cxnSp>
+            <p:cxnSp>
+              <p:nvCxnSpPr>
+                <p:cNvPr id="18" name="Straight Connector 17"/>
+                <p:cNvCxnSpPr/>
+                <p:nvPr/>
+              </p:nvCxnSpPr>
+              <p:spPr>
+                <a:xfrm>
+                  <a:off x="7884368" y="1425360"/>
+                  <a:ext cx="324036" cy="0"/>
+                </a:xfrm>
+                <a:prstGeom prst="line">
+                  <a:avLst/>
+                </a:prstGeom>
+                <a:ln>
+                  <a:solidFill>
+                    <a:srgbClr val="C00000"/>
+                  </a:solidFill>
+                </a:ln>
+              </p:spPr>
+              <p:style>
+                <a:lnRef idx="1">
+                  <a:schemeClr val="accent1"/>
+                </a:lnRef>
+                <a:fillRef idx="0">
+                  <a:schemeClr val="accent1"/>
+                </a:fillRef>
+                <a:effectRef idx="0">
+                  <a:schemeClr val="accent1"/>
+                </a:effectRef>
+                <a:fontRef idx="minor">
+                  <a:schemeClr val="tx1"/>
+                </a:fontRef>
+              </p:style>
+            </p:cxnSp>
+            <p:cxnSp>
+              <p:nvCxnSpPr>
+                <p:cNvPr id="19" name="Straight Connector 18"/>
+                <p:cNvCxnSpPr/>
+                <p:nvPr/>
+              </p:nvCxnSpPr>
+              <p:spPr>
+                <a:xfrm>
+                  <a:off x="7884368" y="1557690"/>
+                  <a:ext cx="324036" cy="0"/>
+                </a:xfrm>
+                <a:prstGeom prst="line">
+                  <a:avLst/>
+                </a:prstGeom>
+                <a:ln>
+                  <a:solidFill>
+                    <a:srgbClr val="C00000"/>
+                  </a:solidFill>
+                </a:ln>
+              </p:spPr>
+              <p:style>
+                <a:lnRef idx="1">
+                  <a:schemeClr val="accent1"/>
+                </a:lnRef>
+                <a:fillRef idx="0">
+                  <a:schemeClr val="accent1"/>
+                </a:fillRef>
+                <a:effectRef idx="0">
+                  <a:schemeClr val="accent1"/>
+                </a:effectRef>
+                <a:fontRef idx="minor">
+                  <a:schemeClr val="tx1"/>
+                </a:fontRef>
+              </p:style>
+            </p:cxnSp>
+            <p:cxnSp>
+              <p:nvCxnSpPr>
+                <p:cNvPr id="20" name="Straight Connector 19"/>
+                <p:cNvCxnSpPr/>
+                <p:nvPr/>
+              </p:nvCxnSpPr>
+              <p:spPr>
+                <a:xfrm>
+                  <a:off x="2201800" y="1306617"/>
+                  <a:ext cx="930040" cy="0"/>
+                </a:xfrm>
+                <a:prstGeom prst="line">
+                  <a:avLst/>
+                </a:prstGeom>
+                <a:ln>
+                  <a:solidFill>
+                    <a:srgbClr val="C00000"/>
+                  </a:solidFill>
+                </a:ln>
+              </p:spPr>
+              <p:style>
+                <a:lnRef idx="1">
+                  <a:schemeClr val="accent1"/>
+                </a:lnRef>
+                <a:fillRef idx="0">
+                  <a:schemeClr val="accent1"/>
+                </a:fillRef>
+                <a:effectRef idx="0">
+                  <a:schemeClr val="accent1"/>
+                </a:effectRef>
+                <a:fontRef idx="minor">
+                  <a:schemeClr val="tx1"/>
+                </a:fontRef>
+              </p:style>
+            </p:cxnSp>
+            <p:cxnSp>
+              <p:nvCxnSpPr>
+                <p:cNvPr id="21" name="Straight Connector 20"/>
+                <p:cNvCxnSpPr/>
+                <p:nvPr/>
+              </p:nvCxnSpPr>
+              <p:spPr>
+                <a:xfrm>
+                  <a:off x="7884368" y="1307670"/>
+                  <a:ext cx="324036" cy="0"/>
+                </a:xfrm>
+                <a:prstGeom prst="line">
+                  <a:avLst/>
+                </a:prstGeom>
+                <a:ln>
+                  <a:solidFill>
+                    <a:srgbClr val="C00000"/>
+                  </a:solidFill>
+                </a:ln>
+              </p:spPr>
+              <p:style>
+                <a:lnRef idx="1">
+                  <a:schemeClr val="accent1"/>
+                </a:lnRef>
+                <a:fillRef idx="0">
+                  <a:schemeClr val="accent1"/>
+                </a:fillRef>
+                <a:effectRef idx="0">
+                  <a:schemeClr val="accent1"/>
+                </a:effectRef>
+                <a:fontRef idx="minor">
+                  <a:schemeClr val="tx1"/>
+                </a:fontRef>
+              </p:style>
+            </p:cxnSp>
+          </p:grpSp>
+          <p:grpSp>
+            <p:nvGrpSpPr>
+              <p:cNvPr id="10" name="Group 9"/>
+              <p:cNvGrpSpPr/>
+              <p:nvPr/>
+            </p:nvGrpSpPr>
+            <p:grpSpPr>
+              <a:xfrm>
+                <a:off x="1619672" y="269227"/>
+                <a:ext cx="7377192" cy="1838072"/>
+                <a:chOff x="1619672" y="269227"/>
+                <a:chExt cx="7377192" cy="1838072"/>
+              </a:xfrm>
+            </p:grpSpPr>
+            <p:cxnSp>
+              <p:nvCxnSpPr>
+                <p:cNvPr id="11" name="Straight Connector 10"/>
+                <p:cNvCxnSpPr/>
+                <p:nvPr/>
+              </p:nvCxnSpPr>
+              <p:spPr>
+                <a:xfrm flipV="1">
+                  <a:off x="1619672" y="269227"/>
+                  <a:ext cx="7290731" cy="1838072"/>
+                </a:xfrm>
+                <a:prstGeom prst="line">
+                  <a:avLst/>
+                </a:prstGeom>
+                <a:ln w="28575">
+                  <a:solidFill>
+                    <a:srgbClr val="C00000"/>
+                  </a:solidFill>
+                </a:ln>
+              </p:spPr>
+              <p:style>
+                <a:lnRef idx="1">
+                  <a:schemeClr val="accent1"/>
+                </a:lnRef>
+                <a:fillRef idx="0">
+                  <a:schemeClr val="accent1"/>
+                </a:fillRef>
+                <a:effectRef idx="0">
+                  <a:schemeClr val="accent1"/>
+                </a:effectRef>
+                <a:fontRef idx="minor">
+                  <a:schemeClr val="tx1"/>
+                </a:fontRef>
+              </p:style>
+            </p:cxnSp>
+            <p:cxnSp>
+              <p:nvCxnSpPr>
+                <p:cNvPr id="12" name="Straight Connector 11"/>
+                <p:cNvCxnSpPr/>
+                <p:nvPr/>
+              </p:nvCxnSpPr>
+              <p:spPr>
+                <a:xfrm>
+                  <a:off x="1763688" y="269227"/>
+                  <a:ext cx="7233176" cy="1838072"/>
+                </a:xfrm>
+                <a:prstGeom prst="line">
+                  <a:avLst/>
+                </a:prstGeom>
+                <a:ln w="28575">
+                  <a:solidFill>
+                    <a:srgbClr val="C00000"/>
+                  </a:solidFill>
+                </a:ln>
+              </p:spPr>
+              <p:style>
+                <a:lnRef idx="1">
+                  <a:schemeClr val="accent1"/>
+                </a:lnRef>
+                <a:fillRef idx="0">
+                  <a:schemeClr val="accent1"/>
+                </a:fillRef>
+                <a:effectRef idx="0">
+                  <a:schemeClr val="accent1"/>
+                </a:effectRef>
+                <a:fontRef idx="minor">
+                  <a:schemeClr val="tx1"/>
+                </a:fontRef>
+              </p:style>
+            </p:cxnSp>
+          </p:grpSp>
+        </p:grpSp>
+      </p:grpSp>
     </p:spTree>
     <p:extLst>
       <p:ext uri="{BB962C8B-B14F-4D97-AF65-F5344CB8AC3E}">
